--- a/2022/June_Batch/5Javascript/others/new-version/7javascript - BOM.pptx
+++ b/2022/June_Batch/5Javascript/others/new-version/7javascript - BOM.pptx
@@ -9,10 +9,23 @@
     <p:sldId id="290" r:id="rId3"/>
     <p:sldId id="291" r:id="rId4"/>
     <p:sldId id="292" r:id="rId5"/>
-    <p:sldId id="293" r:id="rId6"/>
-    <p:sldId id="294" r:id="rId7"/>
-    <p:sldId id="295" r:id="rId8"/>
-    <p:sldId id="296" r:id="rId9"/>
+    <p:sldId id="312" r:id="rId6"/>
+    <p:sldId id="313" r:id="rId7"/>
+    <p:sldId id="307" r:id="rId8"/>
+    <p:sldId id="308" r:id="rId9"/>
+    <p:sldId id="309" r:id="rId10"/>
+    <p:sldId id="310" r:id="rId11"/>
+    <p:sldId id="311" r:id="rId12"/>
+    <p:sldId id="297" r:id="rId13"/>
+    <p:sldId id="298" r:id="rId14"/>
+    <p:sldId id="299" r:id="rId15"/>
+    <p:sldId id="300" r:id="rId16"/>
+    <p:sldId id="301" r:id="rId17"/>
+    <p:sldId id="302" r:id="rId18"/>
+    <p:sldId id="303" r:id="rId19"/>
+    <p:sldId id="304" r:id="rId20"/>
+    <p:sldId id="305" r:id="rId21"/>
+    <p:sldId id="306" r:id="rId22"/>
   </p:sldIdLst>
   <p:sldSz cx="12192000" cy="6858000"/>
   <p:notesSz cx="6858000" cy="9144000"/>
@@ -113,7 +126,7 @@
   </p:defaultTextStyle>
   <p:extLst>
     <p:ext uri="{EFAFB233-063F-42B5-8137-9DF3F51BA10A}">
-      <p15:sldGuideLst xmlns="" xmlns:p15="http://schemas.microsoft.com/office/powerpoint/2012/main">
+      <p15:sldGuideLst xmlns:p15="http://schemas.microsoft.com/office/powerpoint/2012/main" xmlns="">
         <p15:guide id="1" orient="horz" pos="2160">
           <p15:clr>
             <a:srgbClr val="A4A3A4"/>
@@ -262,7 +275,7 @@
             <a:fld id="{7FCC5AE5-E495-4913-B643-A95A6AFABB00}" type="datetimeFigureOut">
               <a:rPr kumimoji="1" lang="ja-JP" altLang="en-US" smtClean="0"/>
               <a:pPr/>
-              <a:t>2022/8/1</a:t>
+              <a:t>2022/8/2</a:t>
             </a:fld>
             <a:endParaRPr kumimoji="1" lang="ja-JP" altLang="en-US"/>
           </a:p>
@@ -314,7 +327,7 @@
     </p:spTree>
     <p:extLst>
       <p:ext uri="{BB962C8B-B14F-4D97-AF65-F5344CB8AC3E}">
-        <p14:creationId xmlns="" xmlns:p14="http://schemas.microsoft.com/office/powerpoint/2010/main" val="3096064434"/>
+        <p14:creationId xmlns:p14="http://schemas.microsoft.com/office/powerpoint/2010/main" xmlns="" val="3096064434"/>
       </p:ext>
     </p:extLst>
   </p:cSld>
@@ -434,7 +447,7 @@
             <a:fld id="{7FCC5AE5-E495-4913-B643-A95A6AFABB00}" type="datetimeFigureOut">
               <a:rPr kumimoji="1" lang="ja-JP" altLang="en-US" smtClean="0"/>
               <a:pPr/>
-              <a:t>2022/8/1</a:t>
+              <a:t>2022/8/2</a:t>
             </a:fld>
             <a:endParaRPr kumimoji="1" lang="ja-JP" altLang="en-US"/>
           </a:p>
@@ -486,7 +499,7 @@
     </p:spTree>
     <p:extLst>
       <p:ext uri="{BB962C8B-B14F-4D97-AF65-F5344CB8AC3E}">
-        <p14:creationId xmlns="" xmlns:p14="http://schemas.microsoft.com/office/powerpoint/2010/main" val="71407721"/>
+        <p14:creationId xmlns:p14="http://schemas.microsoft.com/office/powerpoint/2010/main" xmlns="" val="71407721"/>
       </p:ext>
     </p:extLst>
   </p:cSld>
@@ -616,7 +629,7 @@
             <a:fld id="{7FCC5AE5-E495-4913-B643-A95A6AFABB00}" type="datetimeFigureOut">
               <a:rPr kumimoji="1" lang="ja-JP" altLang="en-US" smtClean="0"/>
               <a:pPr/>
-              <a:t>2022/8/1</a:t>
+              <a:t>2022/8/2</a:t>
             </a:fld>
             <a:endParaRPr kumimoji="1" lang="ja-JP" altLang="en-US"/>
           </a:p>
@@ -668,7 +681,7 @@
     </p:spTree>
     <p:extLst>
       <p:ext uri="{BB962C8B-B14F-4D97-AF65-F5344CB8AC3E}">
-        <p14:creationId xmlns="" xmlns:p14="http://schemas.microsoft.com/office/powerpoint/2010/main" val="3852493858"/>
+        <p14:creationId xmlns:p14="http://schemas.microsoft.com/office/powerpoint/2010/main" xmlns="" val="3852493858"/>
       </p:ext>
     </p:extLst>
   </p:cSld>
@@ -788,7 +801,7 @@
             <a:fld id="{7FCC5AE5-E495-4913-B643-A95A6AFABB00}" type="datetimeFigureOut">
               <a:rPr kumimoji="1" lang="ja-JP" altLang="en-US" smtClean="0"/>
               <a:pPr/>
-              <a:t>2022/8/1</a:t>
+              <a:t>2022/8/2</a:t>
             </a:fld>
             <a:endParaRPr kumimoji="1" lang="ja-JP" altLang="en-US"/>
           </a:p>
@@ -840,7 +853,7 @@
     </p:spTree>
     <p:extLst>
       <p:ext uri="{BB962C8B-B14F-4D97-AF65-F5344CB8AC3E}">
-        <p14:creationId xmlns="" xmlns:p14="http://schemas.microsoft.com/office/powerpoint/2010/main" val="282795843"/>
+        <p14:creationId xmlns:p14="http://schemas.microsoft.com/office/powerpoint/2010/main" xmlns="" val="282795843"/>
       </p:ext>
     </p:extLst>
   </p:cSld>
@@ -1036,7 +1049,7 @@
             <a:fld id="{7FCC5AE5-E495-4913-B643-A95A6AFABB00}" type="datetimeFigureOut">
               <a:rPr kumimoji="1" lang="ja-JP" altLang="en-US" smtClean="0"/>
               <a:pPr/>
-              <a:t>2022/8/1</a:t>
+              <a:t>2022/8/2</a:t>
             </a:fld>
             <a:endParaRPr kumimoji="1" lang="ja-JP" altLang="en-US"/>
           </a:p>
@@ -1088,7 +1101,7 @@
     </p:spTree>
     <p:extLst>
       <p:ext uri="{BB962C8B-B14F-4D97-AF65-F5344CB8AC3E}">
-        <p14:creationId xmlns="" xmlns:p14="http://schemas.microsoft.com/office/powerpoint/2010/main" val="1315004973"/>
+        <p14:creationId xmlns:p14="http://schemas.microsoft.com/office/powerpoint/2010/main" xmlns="" val="1315004973"/>
       </p:ext>
     </p:extLst>
   </p:cSld>
@@ -1270,7 +1283,7 @@
             <a:fld id="{7FCC5AE5-E495-4913-B643-A95A6AFABB00}" type="datetimeFigureOut">
               <a:rPr kumimoji="1" lang="ja-JP" altLang="en-US" smtClean="0"/>
               <a:pPr/>
-              <a:t>2022/8/1</a:t>
+              <a:t>2022/8/2</a:t>
             </a:fld>
             <a:endParaRPr kumimoji="1" lang="ja-JP" altLang="en-US"/>
           </a:p>
@@ -1322,7 +1335,7 @@
     </p:spTree>
     <p:extLst>
       <p:ext uri="{BB962C8B-B14F-4D97-AF65-F5344CB8AC3E}">
-        <p14:creationId xmlns="" xmlns:p14="http://schemas.microsoft.com/office/powerpoint/2010/main" val="3048296005"/>
+        <p14:creationId xmlns:p14="http://schemas.microsoft.com/office/powerpoint/2010/main" xmlns="" val="3048296005"/>
       </p:ext>
     </p:extLst>
   </p:cSld>
@@ -1639,7 +1652,7 @@
             <a:fld id="{7FCC5AE5-E495-4913-B643-A95A6AFABB00}" type="datetimeFigureOut">
               <a:rPr kumimoji="1" lang="ja-JP" altLang="en-US" smtClean="0"/>
               <a:pPr/>
-              <a:t>2022/8/1</a:t>
+              <a:t>2022/8/2</a:t>
             </a:fld>
             <a:endParaRPr kumimoji="1" lang="ja-JP" altLang="en-US"/>
           </a:p>
@@ -1691,7 +1704,7 @@
     </p:spTree>
     <p:extLst>
       <p:ext uri="{BB962C8B-B14F-4D97-AF65-F5344CB8AC3E}">
-        <p14:creationId xmlns="" xmlns:p14="http://schemas.microsoft.com/office/powerpoint/2010/main" val="890299385"/>
+        <p14:creationId xmlns:p14="http://schemas.microsoft.com/office/powerpoint/2010/main" xmlns="" val="890299385"/>
       </p:ext>
     </p:extLst>
   </p:cSld>
@@ -1759,7 +1772,7 @@
             <a:fld id="{7FCC5AE5-E495-4913-B643-A95A6AFABB00}" type="datetimeFigureOut">
               <a:rPr kumimoji="1" lang="ja-JP" altLang="en-US" smtClean="0"/>
               <a:pPr/>
-              <a:t>2022/8/1</a:t>
+              <a:t>2022/8/2</a:t>
             </a:fld>
             <a:endParaRPr kumimoji="1" lang="ja-JP" altLang="en-US"/>
           </a:p>
@@ -1811,7 +1824,7 @@
     </p:spTree>
     <p:extLst>
       <p:ext uri="{BB962C8B-B14F-4D97-AF65-F5344CB8AC3E}">
-        <p14:creationId xmlns="" xmlns:p14="http://schemas.microsoft.com/office/powerpoint/2010/main" val="2049573599"/>
+        <p14:creationId xmlns:p14="http://schemas.microsoft.com/office/powerpoint/2010/main" xmlns="" val="2049573599"/>
       </p:ext>
     </p:extLst>
   </p:cSld>
@@ -1856,7 +1869,7 @@
             <a:fld id="{7FCC5AE5-E495-4913-B643-A95A6AFABB00}" type="datetimeFigureOut">
               <a:rPr kumimoji="1" lang="ja-JP" altLang="en-US" smtClean="0"/>
               <a:pPr/>
-              <a:t>2022/8/1</a:t>
+              <a:t>2022/8/2</a:t>
             </a:fld>
             <a:endParaRPr kumimoji="1" lang="ja-JP" altLang="en-US"/>
           </a:p>
@@ -1908,7 +1921,7 @@
     </p:spTree>
     <p:extLst>
       <p:ext uri="{BB962C8B-B14F-4D97-AF65-F5344CB8AC3E}">
-        <p14:creationId xmlns="" xmlns:p14="http://schemas.microsoft.com/office/powerpoint/2010/main" val="1896888541"/>
+        <p14:creationId xmlns:p14="http://schemas.microsoft.com/office/powerpoint/2010/main" xmlns="" val="1896888541"/>
       </p:ext>
     </p:extLst>
   </p:cSld>
@@ -2135,7 +2148,7 @@
             <a:fld id="{7FCC5AE5-E495-4913-B643-A95A6AFABB00}" type="datetimeFigureOut">
               <a:rPr kumimoji="1" lang="ja-JP" altLang="en-US" smtClean="0"/>
               <a:pPr/>
-              <a:t>2022/8/1</a:t>
+              <a:t>2022/8/2</a:t>
             </a:fld>
             <a:endParaRPr kumimoji="1" lang="ja-JP" altLang="en-US"/>
           </a:p>
@@ -2187,7 +2200,7 @@
     </p:spTree>
     <p:extLst>
       <p:ext uri="{BB962C8B-B14F-4D97-AF65-F5344CB8AC3E}">
-        <p14:creationId xmlns="" xmlns:p14="http://schemas.microsoft.com/office/powerpoint/2010/main" val="1581260034"/>
+        <p14:creationId xmlns:p14="http://schemas.microsoft.com/office/powerpoint/2010/main" xmlns="" val="1581260034"/>
       </p:ext>
     </p:extLst>
   </p:cSld>
@@ -2394,7 +2407,7 @@
             <a:fld id="{7FCC5AE5-E495-4913-B643-A95A6AFABB00}" type="datetimeFigureOut">
               <a:rPr kumimoji="1" lang="ja-JP" altLang="en-US" smtClean="0"/>
               <a:pPr/>
-              <a:t>2022/8/1</a:t>
+              <a:t>2022/8/2</a:t>
             </a:fld>
             <a:endParaRPr kumimoji="1" lang="ja-JP" altLang="en-US"/>
           </a:p>
@@ -2446,7 +2459,7 @@
     </p:spTree>
     <p:extLst>
       <p:ext uri="{BB962C8B-B14F-4D97-AF65-F5344CB8AC3E}">
-        <p14:creationId xmlns="" xmlns:p14="http://schemas.microsoft.com/office/powerpoint/2010/main" val="2397771766"/>
+        <p14:creationId xmlns:p14="http://schemas.microsoft.com/office/powerpoint/2010/main" xmlns="" val="2397771766"/>
       </p:ext>
     </p:extLst>
   </p:cSld>
@@ -2609,7 +2622,7 @@
             <a:fld id="{7FCC5AE5-E495-4913-B643-A95A6AFABB00}" type="datetimeFigureOut">
               <a:rPr kumimoji="1" lang="ja-JP" altLang="en-US" smtClean="0"/>
               <a:pPr/>
-              <a:t>2022/8/1</a:t>
+              <a:t>2022/8/2</a:t>
             </a:fld>
             <a:endParaRPr kumimoji="1" lang="ja-JP" altLang="en-US"/>
           </a:p>
@@ -2699,7 +2712,7 @@
           <p:cNvPr id="7" name="TextBox 6">
             <a:extLst>
               <a:ext uri="{FF2B5EF4-FFF2-40B4-BE49-F238E27FC236}">
-                <a16:creationId xmlns="" xmlns:a16="http://schemas.microsoft.com/office/drawing/2014/main" id="{847969B0-9AAB-4EBF-AF99-17A470D83F03}"/>
+                <a16:creationId xmlns:a16="http://schemas.microsoft.com/office/drawing/2014/main" xmlns="" id="{847969B0-9AAB-4EBF-AF99-17A470D83F03}"/>
               </a:ext>
             </a:extLst>
           </p:cNvPr>
@@ -2746,7 +2759,7 @@
     </p:spTree>
     <p:extLst>
       <p:ext uri="{BB962C8B-B14F-4D97-AF65-F5344CB8AC3E}">
-        <p14:creationId xmlns="" xmlns:p14="http://schemas.microsoft.com/office/powerpoint/2010/main" val="492407304"/>
+        <p14:creationId xmlns:p14="http://schemas.microsoft.com/office/powerpoint/2010/main" xmlns="" val="492407304"/>
       </p:ext>
     </p:extLst>
   </p:cSld>
@@ -3154,7 +3167,7 @@
     </p:spTree>
     <p:extLst>
       <p:ext uri="{BB962C8B-B14F-4D97-AF65-F5344CB8AC3E}">
-        <p14:creationId xmlns="" xmlns:p14="http://schemas.microsoft.com/office/powerpoint/2010/main" val="4062787881"/>
+        <p14:creationId xmlns:p14="http://schemas.microsoft.com/office/powerpoint/2010/main" xmlns="" val="4062787881"/>
       </p:ext>
     </p:extLst>
   </p:cSld>
@@ -3168,6 +3181,852 @@
       </p:par>
     </p:tnLst>
   </p:timing>
+</p:sld>
+</file>
+
+<file path=ppt/slides/slide10.xml><?xml version="1.0" encoding="utf-8"?>
+<p:sld xmlns:a="http://schemas.openxmlformats.org/drawingml/2006/main" xmlns:r="http://schemas.openxmlformats.org/officeDocument/2006/relationships" xmlns:p="http://schemas.openxmlformats.org/presentationml/2006/main">
+  <p:cSld>
+    <p:spTree>
+      <p:nvGrpSpPr>
+        <p:cNvPr id="1" name=""/>
+        <p:cNvGrpSpPr/>
+        <p:nvPr/>
+      </p:nvGrpSpPr>
+      <p:grpSpPr>
+        <a:xfrm>
+          <a:off x="0" y="0"/>
+          <a:ext cx="0" cy="0"/>
+          <a:chOff x="0" y="0"/>
+          <a:chExt cx="0" cy="0"/>
+        </a:xfrm>
+      </p:grpSpPr>
+      <p:sp>
+        <p:nvSpPr>
+          <p:cNvPr id="2" name="Title 1"/>
+          <p:cNvSpPr>
+            <a:spLocks noGrp="1"/>
+          </p:cNvSpPr>
+          <p:nvPr>
+            <p:ph type="title"/>
+          </p:nvPr>
+        </p:nvSpPr>
+        <p:spPr/>
+        <p:txBody>
+          <a:bodyPr/>
+          <a:lstStyle/>
+          <a:p>
+            <a:r>
+              <a:rPr lang="en-US" dirty="0" err="1" smtClean="0"/>
+              <a:t>setTimeout</a:t>
+            </a:r>
+            <a:endParaRPr lang="en-US" dirty="0"/>
+          </a:p>
+        </p:txBody>
+      </p:sp>
+      <p:pic>
+        <p:nvPicPr>
+          <p:cNvPr id="14338" name="Picture 2"/>
+          <p:cNvPicPr>
+            <a:picLocks noGrp="1" noChangeAspect="1" noChangeArrowheads="1"/>
+          </p:cNvPicPr>
+          <p:nvPr>
+            <p:ph idx="1"/>
+          </p:nvPr>
+        </p:nvPicPr>
+        <p:blipFill>
+          <a:blip r:embed="rId2"/>
+          <a:srcRect/>
+          <a:stretch>
+            <a:fillRect/>
+          </a:stretch>
+        </p:blipFill>
+        <p:spPr bwMode="auto">
+          <a:xfrm>
+            <a:off x="627016" y="1776548"/>
+            <a:ext cx="10554789" cy="4323805"/>
+          </a:xfrm>
+          <a:prstGeom prst="rect">
+            <a:avLst/>
+          </a:prstGeom>
+          <a:noFill/>
+          <a:ln w="9525">
+            <a:noFill/>
+            <a:miter lim="800000"/>
+            <a:headEnd/>
+            <a:tailEnd/>
+          </a:ln>
+          <a:effectLst/>
+        </p:spPr>
+      </p:pic>
+    </p:spTree>
+  </p:cSld>
+  <p:clrMapOvr>
+    <a:masterClrMapping/>
+  </p:clrMapOvr>
+</p:sld>
+</file>
+
+<file path=ppt/slides/slide11.xml><?xml version="1.0" encoding="utf-8"?>
+<p:sld xmlns:a="http://schemas.openxmlformats.org/drawingml/2006/main" xmlns:r="http://schemas.openxmlformats.org/officeDocument/2006/relationships" xmlns:p="http://schemas.openxmlformats.org/presentationml/2006/main">
+  <p:cSld>
+    <p:spTree>
+      <p:nvGrpSpPr>
+        <p:cNvPr id="1" name=""/>
+        <p:cNvGrpSpPr/>
+        <p:nvPr/>
+      </p:nvGrpSpPr>
+      <p:grpSpPr>
+        <a:xfrm>
+          <a:off x="0" y="0"/>
+          <a:ext cx="0" cy="0"/>
+          <a:chOff x="0" y="0"/>
+          <a:chExt cx="0" cy="0"/>
+        </a:xfrm>
+      </p:grpSpPr>
+      <p:sp>
+        <p:nvSpPr>
+          <p:cNvPr id="2" name="Title 1"/>
+          <p:cNvSpPr>
+            <a:spLocks noGrp="1"/>
+          </p:cNvSpPr>
+          <p:nvPr>
+            <p:ph type="title"/>
+          </p:nvPr>
+        </p:nvSpPr>
+        <p:spPr/>
+        <p:txBody>
+          <a:bodyPr/>
+          <a:lstStyle/>
+          <a:p>
+            <a:r>
+              <a:rPr lang="en-US" dirty="0" err="1" smtClean="0"/>
+              <a:t>setInterval</a:t>
+            </a:r>
+            <a:endParaRPr lang="en-US" dirty="0"/>
+          </a:p>
+        </p:txBody>
+      </p:sp>
+      <p:pic>
+        <p:nvPicPr>
+          <p:cNvPr id="15362" name="Picture 2"/>
+          <p:cNvPicPr>
+            <a:picLocks noGrp="1" noChangeAspect="1" noChangeArrowheads="1"/>
+          </p:cNvPicPr>
+          <p:nvPr>
+            <p:ph idx="1"/>
+          </p:nvPr>
+        </p:nvPicPr>
+        <p:blipFill>
+          <a:blip r:embed="rId2"/>
+          <a:srcRect/>
+          <a:stretch>
+            <a:fillRect/>
+          </a:stretch>
+        </p:blipFill>
+        <p:spPr bwMode="auto">
+          <a:xfrm>
+            <a:off x="1227909" y="1502228"/>
+            <a:ext cx="9784080" cy="4807132"/>
+          </a:xfrm>
+          <a:prstGeom prst="rect">
+            <a:avLst/>
+          </a:prstGeom>
+          <a:noFill/>
+          <a:ln w="9525">
+            <a:noFill/>
+            <a:miter lim="800000"/>
+            <a:headEnd/>
+            <a:tailEnd/>
+          </a:ln>
+          <a:effectLst/>
+        </p:spPr>
+      </p:pic>
+    </p:spTree>
+  </p:cSld>
+  <p:clrMapOvr>
+    <a:masterClrMapping/>
+  </p:clrMapOvr>
+</p:sld>
+</file>
+
+<file path=ppt/slides/slide12.xml><?xml version="1.0" encoding="utf-8"?>
+<p:sld xmlns:a="http://schemas.openxmlformats.org/drawingml/2006/main" xmlns:r="http://schemas.openxmlformats.org/officeDocument/2006/relationships" xmlns:p="http://schemas.openxmlformats.org/presentationml/2006/main">
+  <p:cSld>
+    <p:spTree>
+      <p:nvGrpSpPr>
+        <p:cNvPr id="1" name=""/>
+        <p:cNvGrpSpPr/>
+        <p:nvPr/>
+      </p:nvGrpSpPr>
+      <p:grpSpPr>
+        <a:xfrm>
+          <a:off x="0" y="0"/>
+          <a:ext cx="0" cy="0"/>
+          <a:chOff x="0" y="0"/>
+          <a:chExt cx="0" cy="0"/>
+        </a:xfrm>
+      </p:grpSpPr>
+      <p:sp>
+        <p:nvSpPr>
+          <p:cNvPr id="2" name="Title 1"/>
+          <p:cNvSpPr>
+            <a:spLocks noGrp="1"/>
+          </p:cNvSpPr>
+          <p:nvPr>
+            <p:ph type="title"/>
+          </p:nvPr>
+        </p:nvSpPr>
+        <p:spPr/>
+        <p:txBody>
+          <a:bodyPr/>
+          <a:lstStyle/>
+          <a:p>
+            <a:r>
+              <a:rPr lang="en-US" dirty="0" err="1" smtClean="0"/>
+              <a:t>Window.history</a:t>
+            </a:r>
+            <a:endParaRPr lang="en-US" dirty="0"/>
+          </a:p>
+        </p:txBody>
+      </p:sp>
+      <p:pic>
+        <p:nvPicPr>
+          <p:cNvPr id="1026" name="Picture 2"/>
+          <p:cNvPicPr>
+            <a:picLocks noGrp="1" noChangeAspect="1" noChangeArrowheads="1"/>
+          </p:cNvPicPr>
+          <p:nvPr>
+            <p:ph idx="1"/>
+          </p:nvPr>
+        </p:nvPicPr>
+        <p:blipFill>
+          <a:blip r:embed="rId2"/>
+          <a:srcRect/>
+          <a:stretch>
+            <a:fillRect/>
+          </a:stretch>
+        </p:blipFill>
+        <p:spPr bwMode="auto">
+          <a:xfrm>
+            <a:off x="783772" y="1773374"/>
+            <a:ext cx="10476411" cy="4351338"/>
+          </a:xfrm>
+          <a:prstGeom prst="rect">
+            <a:avLst/>
+          </a:prstGeom>
+          <a:noFill/>
+          <a:ln w="9525">
+            <a:noFill/>
+            <a:miter lim="800000"/>
+            <a:headEnd/>
+            <a:tailEnd/>
+          </a:ln>
+          <a:effectLst/>
+        </p:spPr>
+      </p:pic>
+    </p:spTree>
+  </p:cSld>
+  <p:clrMapOvr>
+    <a:masterClrMapping/>
+  </p:clrMapOvr>
+</p:sld>
+</file>
+
+<file path=ppt/slides/slide13.xml><?xml version="1.0" encoding="utf-8"?>
+<p:sld xmlns:a="http://schemas.openxmlformats.org/drawingml/2006/main" xmlns:r="http://schemas.openxmlformats.org/officeDocument/2006/relationships" xmlns:p="http://schemas.openxmlformats.org/presentationml/2006/main">
+  <p:cSld>
+    <p:spTree>
+      <p:nvGrpSpPr>
+        <p:cNvPr id="1" name=""/>
+        <p:cNvGrpSpPr/>
+        <p:nvPr/>
+      </p:nvGrpSpPr>
+      <p:grpSpPr>
+        <a:xfrm>
+          <a:off x="0" y="0"/>
+          <a:ext cx="0" cy="0"/>
+          <a:chOff x="0" y="0"/>
+          <a:chExt cx="0" cy="0"/>
+        </a:xfrm>
+      </p:grpSpPr>
+      <p:sp>
+        <p:nvSpPr>
+          <p:cNvPr id="2" name="Title 1"/>
+          <p:cNvSpPr>
+            <a:spLocks noGrp="1"/>
+          </p:cNvSpPr>
+          <p:nvPr>
+            <p:ph type="title"/>
+          </p:nvPr>
+        </p:nvSpPr>
+        <p:spPr/>
+        <p:txBody>
+          <a:bodyPr/>
+          <a:lstStyle/>
+          <a:p>
+            <a:r>
+              <a:rPr lang="en-US" dirty="0" smtClean="0"/>
+              <a:t>Move Backward</a:t>
+            </a:r>
+            <a:endParaRPr lang="en-US" dirty="0"/>
+          </a:p>
+        </p:txBody>
+      </p:sp>
+      <p:pic>
+        <p:nvPicPr>
+          <p:cNvPr id="2050" name="Picture 2"/>
+          <p:cNvPicPr>
+            <a:picLocks noGrp="1" noChangeAspect="1" noChangeArrowheads="1"/>
+          </p:cNvPicPr>
+          <p:nvPr>
+            <p:ph idx="1"/>
+          </p:nvPr>
+        </p:nvPicPr>
+        <p:blipFill>
+          <a:blip r:embed="rId2"/>
+          <a:srcRect/>
+          <a:stretch>
+            <a:fillRect/>
+          </a:stretch>
+        </p:blipFill>
+        <p:spPr bwMode="auto">
+          <a:xfrm>
+            <a:off x="1201782" y="1915455"/>
+            <a:ext cx="9679577" cy="2996180"/>
+          </a:xfrm>
+          <a:prstGeom prst="rect">
+            <a:avLst/>
+          </a:prstGeom>
+          <a:noFill/>
+          <a:ln w="9525">
+            <a:noFill/>
+            <a:miter lim="800000"/>
+            <a:headEnd/>
+            <a:tailEnd/>
+          </a:ln>
+          <a:effectLst/>
+        </p:spPr>
+      </p:pic>
+    </p:spTree>
+  </p:cSld>
+  <p:clrMapOvr>
+    <a:masterClrMapping/>
+  </p:clrMapOvr>
+</p:sld>
+</file>
+
+<file path=ppt/slides/slide14.xml><?xml version="1.0" encoding="utf-8"?>
+<p:sld xmlns:a="http://schemas.openxmlformats.org/drawingml/2006/main" xmlns:r="http://schemas.openxmlformats.org/officeDocument/2006/relationships" xmlns:p="http://schemas.openxmlformats.org/presentationml/2006/main">
+  <p:cSld>
+    <p:spTree>
+      <p:nvGrpSpPr>
+        <p:cNvPr id="1" name=""/>
+        <p:cNvGrpSpPr/>
+        <p:nvPr/>
+      </p:nvGrpSpPr>
+      <p:grpSpPr>
+        <a:xfrm>
+          <a:off x="0" y="0"/>
+          <a:ext cx="0" cy="0"/>
+          <a:chOff x="0" y="0"/>
+          <a:chExt cx="0" cy="0"/>
+        </a:xfrm>
+      </p:grpSpPr>
+      <p:sp>
+        <p:nvSpPr>
+          <p:cNvPr id="2" name="Title 1"/>
+          <p:cNvSpPr>
+            <a:spLocks noGrp="1"/>
+          </p:cNvSpPr>
+          <p:nvPr>
+            <p:ph type="title"/>
+          </p:nvPr>
+        </p:nvSpPr>
+        <p:spPr/>
+        <p:txBody>
+          <a:bodyPr/>
+          <a:lstStyle/>
+          <a:p>
+            <a:r>
+              <a:rPr lang="en-US" dirty="0" smtClean="0"/>
+              <a:t>Move Forward</a:t>
+            </a:r>
+            <a:endParaRPr lang="en-US" dirty="0"/>
+          </a:p>
+        </p:txBody>
+      </p:sp>
+      <p:sp>
+        <p:nvSpPr>
+          <p:cNvPr id="4" name="Content Placeholder 3"/>
+          <p:cNvSpPr>
+            <a:spLocks noGrp="1"/>
+          </p:cNvSpPr>
+          <p:nvPr>
+            <p:ph idx="1"/>
+          </p:nvPr>
+        </p:nvSpPr>
+        <p:spPr/>
+        <p:txBody>
+          <a:bodyPr/>
+          <a:lstStyle/>
+          <a:p>
+            <a:endParaRPr lang="en-US"/>
+          </a:p>
+        </p:txBody>
+      </p:sp>
+      <p:pic>
+        <p:nvPicPr>
+          <p:cNvPr id="3074" name="Picture 2"/>
+          <p:cNvPicPr>
+            <a:picLocks noChangeAspect="1" noChangeArrowheads="1"/>
+          </p:cNvPicPr>
+          <p:nvPr/>
+        </p:nvPicPr>
+        <p:blipFill>
+          <a:blip r:embed="rId2"/>
+          <a:srcRect/>
+          <a:stretch>
+            <a:fillRect/>
+          </a:stretch>
+        </p:blipFill>
+        <p:spPr bwMode="auto">
+          <a:xfrm>
+            <a:off x="1926226" y="2424113"/>
+            <a:ext cx="8223613" cy="2840218"/>
+          </a:xfrm>
+          <a:prstGeom prst="rect">
+            <a:avLst/>
+          </a:prstGeom>
+          <a:noFill/>
+          <a:ln w="9525">
+            <a:noFill/>
+            <a:miter lim="800000"/>
+            <a:headEnd/>
+            <a:tailEnd/>
+          </a:ln>
+          <a:effectLst/>
+        </p:spPr>
+      </p:pic>
+    </p:spTree>
+  </p:cSld>
+  <p:clrMapOvr>
+    <a:masterClrMapping/>
+  </p:clrMapOvr>
+</p:sld>
+</file>
+
+<file path=ppt/slides/slide15.xml><?xml version="1.0" encoding="utf-8"?>
+<p:sld xmlns:a="http://schemas.openxmlformats.org/drawingml/2006/main" xmlns:r="http://schemas.openxmlformats.org/officeDocument/2006/relationships" xmlns:p="http://schemas.openxmlformats.org/presentationml/2006/main">
+  <p:cSld>
+    <p:spTree>
+      <p:nvGrpSpPr>
+        <p:cNvPr id="1" name=""/>
+        <p:cNvGrpSpPr/>
+        <p:nvPr/>
+      </p:nvGrpSpPr>
+      <p:grpSpPr>
+        <a:xfrm>
+          <a:off x="0" y="0"/>
+          <a:ext cx="0" cy="0"/>
+          <a:chOff x="0" y="0"/>
+          <a:chExt cx="0" cy="0"/>
+        </a:xfrm>
+      </p:grpSpPr>
+      <p:sp>
+        <p:nvSpPr>
+          <p:cNvPr id="2" name="Title 1"/>
+          <p:cNvSpPr>
+            <a:spLocks noGrp="1"/>
+          </p:cNvSpPr>
+          <p:nvPr>
+            <p:ph type="title"/>
+          </p:nvPr>
+        </p:nvSpPr>
+        <p:spPr/>
+        <p:txBody>
+          <a:bodyPr/>
+          <a:lstStyle/>
+          <a:p>
+            <a:r>
+              <a:rPr lang="en-US" dirty="0" smtClean="0"/>
+              <a:t>URL History</a:t>
+            </a:r>
+            <a:endParaRPr lang="en-US" dirty="0"/>
+          </a:p>
+        </p:txBody>
+      </p:sp>
+      <p:pic>
+        <p:nvPicPr>
+          <p:cNvPr id="4098" name="Picture 2"/>
+          <p:cNvPicPr>
+            <a:picLocks noGrp="1" noChangeAspect="1" noChangeArrowheads="1"/>
+          </p:cNvPicPr>
+          <p:nvPr>
+            <p:ph idx="1"/>
+          </p:nvPr>
+        </p:nvPicPr>
+        <p:blipFill>
+          <a:blip r:embed="rId2"/>
+          <a:srcRect/>
+          <a:stretch>
+            <a:fillRect/>
+          </a:stretch>
+        </p:blipFill>
+        <p:spPr bwMode="auto">
+          <a:xfrm>
+            <a:off x="888274" y="1747247"/>
+            <a:ext cx="10110652" cy="4351338"/>
+          </a:xfrm>
+          <a:prstGeom prst="rect">
+            <a:avLst/>
+          </a:prstGeom>
+          <a:noFill/>
+          <a:ln w="9525">
+            <a:noFill/>
+            <a:miter lim="800000"/>
+            <a:headEnd/>
+            <a:tailEnd/>
+          </a:ln>
+          <a:effectLst/>
+        </p:spPr>
+      </p:pic>
+    </p:spTree>
+  </p:cSld>
+  <p:clrMapOvr>
+    <a:masterClrMapping/>
+  </p:clrMapOvr>
+</p:sld>
+</file>
+
+<file path=ppt/slides/slide16.xml><?xml version="1.0" encoding="utf-8"?>
+<p:sld xmlns:a="http://schemas.openxmlformats.org/drawingml/2006/main" xmlns:r="http://schemas.openxmlformats.org/officeDocument/2006/relationships" xmlns:p="http://schemas.openxmlformats.org/presentationml/2006/main">
+  <p:cSld>
+    <p:spTree>
+      <p:nvGrpSpPr>
+        <p:cNvPr id="1" name=""/>
+        <p:cNvGrpSpPr/>
+        <p:nvPr/>
+      </p:nvGrpSpPr>
+      <p:grpSpPr>
+        <a:xfrm>
+          <a:off x="0" y="0"/>
+          <a:ext cx="0" cy="0"/>
+          <a:chOff x="0" y="0"/>
+          <a:chExt cx="0" cy="0"/>
+        </a:xfrm>
+      </p:grpSpPr>
+      <p:sp>
+        <p:nvSpPr>
+          <p:cNvPr id="2" name="Title 1"/>
+          <p:cNvSpPr>
+            <a:spLocks noGrp="1"/>
+          </p:cNvSpPr>
+          <p:nvPr>
+            <p:ph type="title"/>
+          </p:nvPr>
+        </p:nvSpPr>
+        <p:spPr/>
+        <p:txBody>
+          <a:bodyPr/>
+          <a:lstStyle/>
+          <a:p>
+            <a:r>
+              <a:rPr lang="en-US" dirty="0" err="1" smtClean="0"/>
+              <a:t>Window.navigator</a:t>
+            </a:r>
+            <a:endParaRPr lang="en-US" dirty="0"/>
+          </a:p>
+        </p:txBody>
+      </p:sp>
+      <p:pic>
+        <p:nvPicPr>
+          <p:cNvPr id="5122" name="Picture 2"/>
+          <p:cNvPicPr>
+            <a:picLocks noGrp="1" noChangeAspect="1" noChangeArrowheads="1"/>
+          </p:cNvPicPr>
+          <p:nvPr>
+            <p:ph idx="1"/>
+          </p:nvPr>
+        </p:nvPicPr>
+        <p:blipFill>
+          <a:blip r:embed="rId2"/>
+          <a:srcRect/>
+          <a:stretch>
+            <a:fillRect/>
+          </a:stretch>
+        </p:blipFill>
+        <p:spPr bwMode="auto">
+          <a:xfrm>
+            <a:off x="457201" y="1564368"/>
+            <a:ext cx="11299371" cy="4351338"/>
+          </a:xfrm>
+          <a:prstGeom prst="rect">
+            <a:avLst/>
+          </a:prstGeom>
+          <a:noFill/>
+          <a:ln w="9525">
+            <a:noFill/>
+            <a:miter lim="800000"/>
+            <a:headEnd/>
+            <a:tailEnd/>
+          </a:ln>
+          <a:effectLst/>
+        </p:spPr>
+      </p:pic>
+    </p:spTree>
+  </p:cSld>
+  <p:clrMapOvr>
+    <a:masterClrMapping/>
+  </p:clrMapOvr>
+</p:sld>
+</file>
+
+<file path=ppt/slides/slide17.xml><?xml version="1.0" encoding="utf-8"?>
+<p:sld xmlns:a="http://schemas.openxmlformats.org/drawingml/2006/main" xmlns:r="http://schemas.openxmlformats.org/officeDocument/2006/relationships" xmlns:p="http://schemas.openxmlformats.org/presentationml/2006/main">
+  <p:cSld>
+    <p:spTree>
+      <p:nvGrpSpPr>
+        <p:cNvPr id="1" name=""/>
+        <p:cNvGrpSpPr/>
+        <p:nvPr/>
+      </p:nvGrpSpPr>
+      <p:grpSpPr>
+        <a:xfrm>
+          <a:off x="0" y="0"/>
+          <a:ext cx="0" cy="0"/>
+          <a:chOff x="0" y="0"/>
+          <a:chExt cx="0" cy="0"/>
+        </a:xfrm>
+      </p:grpSpPr>
+      <p:sp>
+        <p:nvSpPr>
+          <p:cNvPr id="2" name="Title 1"/>
+          <p:cNvSpPr>
+            <a:spLocks noGrp="1"/>
+          </p:cNvSpPr>
+          <p:nvPr>
+            <p:ph type="title"/>
+          </p:nvPr>
+        </p:nvSpPr>
+        <p:spPr/>
+        <p:txBody>
+          <a:bodyPr/>
+          <a:lstStyle/>
+          <a:p>
+            <a:endParaRPr lang="en-US"/>
+          </a:p>
+        </p:txBody>
+      </p:sp>
+      <p:pic>
+        <p:nvPicPr>
+          <p:cNvPr id="6146" name="Picture 2"/>
+          <p:cNvPicPr>
+            <a:picLocks noGrp="1" noChangeAspect="1" noChangeArrowheads="1"/>
+          </p:cNvPicPr>
+          <p:nvPr>
+            <p:ph idx="1"/>
+          </p:nvPr>
+        </p:nvPicPr>
+        <p:blipFill>
+          <a:blip r:embed="rId2"/>
+          <a:srcRect/>
+          <a:stretch>
+            <a:fillRect/>
+          </a:stretch>
+        </p:blipFill>
+        <p:spPr bwMode="auto">
+          <a:xfrm>
+            <a:off x="548640" y="352698"/>
+            <a:ext cx="10998926" cy="5891348"/>
+          </a:xfrm>
+          <a:prstGeom prst="rect">
+            <a:avLst/>
+          </a:prstGeom>
+          <a:noFill/>
+          <a:ln w="9525">
+            <a:noFill/>
+            <a:miter lim="800000"/>
+            <a:headEnd/>
+            <a:tailEnd/>
+          </a:ln>
+          <a:effectLst/>
+        </p:spPr>
+      </p:pic>
+    </p:spTree>
+  </p:cSld>
+  <p:clrMapOvr>
+    <a:masterClrMapping/>
+  </p:clrMapOvr>
+</p:sld>
+</file>
+
+<file path=ppt/slides/slide18.xml><?xml version="1.0" encoding="utf-8"?>
+<p:sld xmlns:a="http://schemas.openxmlformats.org/drawingml/2006/main" xmlns:r="http://schemas.openxmlformats.org/officeDocument/2006/relationships" xmlns:p="http://schemas.openxmlformats.org/presentationml/2006/main">
+  <p:cSld>
+    <p:spTree>
+      <p:nvGrpSpPr>
+        <p:cNvPr id="1" name=""/>
+        <p:cNvGrpSpPr/>
+        <p:nvPr/>
+      </p:nvGrpSpPr>
+      <p:grpSpPr>
+        <a:xfrm>
+          <a:off x="0" y="0"/>
+          <a:ext cx="0" cy="0"/>
+          <a:chOff x="0" y="0"/>
+          <a:chExt cx="0" cy="0"/>
+        </a:xfrm>
+      </p:grpSpPr>
+      <p:sp>
+        <p:nvSpPr>
+          <p:cNvPr id="2" name="Title 1"/>
+          <p:cNvSpPr>
+            <a:spLocks noGrp="1"/>
+          </p:cNvSpPr>
+          <p:nvPr>
+            <p:ph type="title"/>
+          </p:nvPr>
+        </p:nvSpPr>
+        <p:spPr/>
+        <p:txBody>
+          <a:bodyPr/>
+          <a:lstStyle/>
+          <a:p>
+            <a:r>
+              <a:rPr lang="en-US" dirty="0" smtClean="0"/>
+              <a:t>JavaScript Navigator Properties &amp; Methods</a:t>
+            </a:r>
+            <a:br>
+              <a:rPr lang="en-US" dirty="0" smtClean="0"/>
+            </a:br>
+            <a:endParaRPr lang="en-US" dirty="0"/>
+          </a:p>
+        </p:txBody>
+      </p:sp>
+      <p:pic>
+        <p:nvPicPr>
+          <p:cNvPr id="7170" name="Picture 2"/>
+          <p:cNvPicPr>
+            <a:picLocks noGrp="1" noChangeAspect="1" noChangeArrowheads="1"/>
+          </p:cNvPicPr>
+          <p:nvPr>
+            <p:ph idx="1"/>
+          </p:nvPr>
+        </p:nvPicPr>
+        <p:blipFill>
+          <a:blip r:embed="rId2"/>
+          <a:srcRect/>
+          <a:stretch>
+            <a:fillRect/>
+          </a:stretch>
+        </p:blipFill>
+        <p:spPr bwMode="auto">
+          <a:xfrm>
+            <a:off x="953588" y="1502228"/>
+            <a:ext cx="10972801" cy="4872445"/>
+          </a:xfrm>
+          <a:prstGeom prst="rect">
+            <a:avLst/>
+          </a:prstGeom>
+          <a:noFill/>
+          <a:ln w="9525">
+            <a:noFill/>
+            <a:miter lim="800000"/>
+            <a:headEnd/>
+            <a:tailEnd/>
+          </a:ln>
+          <a:effectLst/>
+        </p:spPr>
+      </p:pic>
+    </p:spTree>
+  </p:cSld>
+  <p:clrMapOvr>
+    <a:masterClrMapping/>
+  </p:clrMapOvr>
+</p:sld>
+</file>
+
+<file path=ppt/slides/slide19.xml><?xml version="1.0" encoding="utf-8"?>
+<p:sld xmlns:a="http://schemas.openxmlformats.org/drawingml/2006/main" xmlns:r="http://schemas.openxmlformats.org/officeDocument/2006/relationships" xmlns:p="http://schemas.openxmlformats.org/presentationml/2006/main">
+  <p:cSld>
+    <p:spTree>
+      <p:nvGrpSpPr>
+        <p:cNvPr id="1" name=""/>
+        <p:cNvGrpSpPr/>
+        <p:nvPr/>
+      </p:nvGrpSpPr>
+      <p:grpSpPr>
+        <a:xfrm>
+          <a:off x="0" y="0"/>
+          <a:ext cx="0" cy="0"/>
+          <a:chOff x="0" y="0"/>
+          <a:chExt cx="0" cy="0"/>
+        </a:xfrm>
+      </p:grpSpPr>
+      <p:sp>
+        <p:nvSpPr>
+          <p:cNvPr id="2" name="Title 1"/>
+          <p:cNvSpPr>
+            <a:spLocks noGrp="1"/>
+          </p:cNvSpPr>
+          <p:nvPr>
+            <p:ph type="title"/>
+          </p:nvPr>
+        </p:nvSpPr>
+        <p:spPr/>
+        <p:txBody>
+          <a:bodyPr/>
+          <a:lstStyle/>
+          <a:p>
+            <a:r>
+              <a:rPr lang="en-US" dirty="0" smtClean="0"/>
+              <a:t>JavaScript Navigator Properties &amp; Methods</a:t>
+            </a:r>
+            <a:endParaRPr lang="en-US" dirty="0"/>
+          </a:p>
+        </p:txBody>
+      </p:sp>
+      <p:pic>
+        <p:nvPicPr>
+          <p:cNvPr id="8194" name="Picture 2"/>
+          <p:cNvPicPr>
+            <a:picLocks noGrp="1" noChangeAspect="1" noChangeArrowheads="1"/>
+          </p:cNvPicPr>
+          <p:nvPr>
+            <p:ph idx="1"/>
+          </p:nvPr>
+        </p:nvPicPr>
+        <p:blipFill>
+          <a:blip r:embed="rId2"/>
+          <a:srcRect/>
+          <a:stretch>
+            <a:fillRect/>
+          </a:stretch>
+        </p:blipFill>
+        <p:spPr bwMode="auto">
+          <a:xfrm>
+            <a:off x="679269" y="1825625"/>
+            <a:ext cx="10672354" cy="4351338"/>
+          </a:xfrm>
+          <a:prstGeom prst="rect">
+            <a:avLst/>
+          </a:prstGeom>
+          <a:noFill/>
+          <a:ln w="9525">
+            <a:noFill/>
+            <a:miter lim="800000"/>
+            <a:headEnd/>
+            <a:tailEnd/>
+          </a:ln>
+          <a:effectLst/>
+        </p:spPr>
+      </p:pic>
+    </p:spTree>
+  </p:cSld>
+  <p:clrMapOvr>
+    <a:masterClrMapping/>
+  </p:clrMapOvr>
 </p:sld>
 </file>
 
@@ -3232,6 +4091,172 @@
           <a:xfrm>
             <a:off x="718457" y="1580607"/>
             <a:ext cx="10515600" cy="4558936"/>
+          </a:xfrm>
+          <a:prstGeom prst="rect">
+            <a:avLst/>
+          </a:prstGeom>
+          <a:noFill/>
+          <a:ln w="9525">
+            <a:noFill/>
+            <a:miter lim="800000"/>
+            <a:headEnd/>
+            <a:tailEnd/>
+          </a:ln>
+          <a:effectLst/>
+        </p:spPr>
+      </p:pic>
+    </p:spTree>
+  </p:cSld>
+  <p:clrMapOvr>
+    <a:masterClrMapping/>
+  </p:clrMapOvr>
+</p:sld>
+</file>
+
+<file path=ppt/slides/slide20.xml><?xml version="1.0" encoding="utf-8"?>
+<p:sld xmlns:a="http://schemas.openxmlformats.org/drawingml/2006/main" xmlns:r="http://schemas.openxmlformats.org/officeDocument/2006/relationships" xmlns:p="http://schemas.openxmlformats.org/presentationml/2006/main">
+  <p:cSld>
+    <p:spTree>
+      <p:nvGrpSpPr>
+        <p:cNvPr id="1" name=""/>
+        <p:cNvGrpSpPr/>
+        <p:nvPr/>
+      </p:nvGrpSpPr>
+      <p:grpSpPr>
+        <a:xfrm>
+          <a:off x="0" y="0"/>
+          <a:ext cx="0" cy="0"/>
+          <a:chOff x="0" y="0"/>
+          <a:chExt cx="0" cy="0"/>
+        </a:xfrm>
+      </p:grpSpPr>
+      <p:sp>
+        <p:nvSpPr>
+          <p:cNvPr id="2" name="Title 1"/>
+          <p:cNvSpPr>
+            <a:spLocks noGrp="1"/>
+          </p:cNvSpPr>
+          <p:nvPr>
+            <p:ph type="title"/>
+          </p:nvPr>
+        </p:nvSpPr>
+        <p:spPr/>
+        <p:txBody>
+          <a:bodyPr/>
+          <a:lstStyle/>
+          <a:p>
+            <a:r>
+              <a:rPr lang="en-US" dirty="0" smtClean="0"/>
+              <a:t>JavaScript Navigator Properties &amp; Methods</a:t>
+            </a:r>
+            <a:endParaRPr lang="en-US" dirty="0"/>
+          </a:p>
+        </p:txBody>
+      </p:sp>
+      <p:pic>
+        <p:nvPicPr>
+          <p:cNvPr id="9218" name="Picture 2"/>
+          <p:cNvPicPr>
+            <a:picLocks noGrp="1" noChangeAspect="1" noChangeArrowheads="1"/>
+          </p:cNvPicPr>
+          <p:nvPr>
+            <p:ph idx="1"/>
+          </p:nvPr>
+        </p:nvPicPr>
+        <p:blipFill>
+          <a:blip r:embed="rId2"/>
+          <a:srcRect/>
+          <a:stretch>
+            <a:fillRect/>
+          </a:stretch>
+        </p:blipFill>
+        <p:spPr bwMode="auto">
+          <a:xfrm>
+            <a:off x="770709" y="1825625"/>
+            <a:ext cx="10842171" cy="4351338"/>
+          </a:xfrm>
+          <a:prstGeom prst="rect">
+            <a:avLst/>
+          </a:prstGeom>
+          <a:noFill/>
+          <a:ln w="9525">
+            <a:noFill/>
+            <a:miter lim="800000"/>
+            <a:headEnd/>
+            <a:tailEnd/>
+          </a:ln>
+          <a:effectLst/>
+        </p:spPr>
+      </p:pic>
+    </p:spTree>
+  </p:cSld>
+  <p:clrMapOvr>
+    <a:masterClrMapping/>
+  </p:clrMapOvr>
+</p:sld>
+</file>
+
+<file path=ppt/slides/slide21.xml><?xml version="1.0" encoding="utf-8"?>
+<p:sld xmlns:a="http://schemas.openxmlformats.org/drawingml/2006/main" xmlns:r="http://schemas.openxmlformats.org/officeDocument/2006/relationships" xmlns:p="http://schemas.openxmlformats.org/presentationml/2006/main">
+  <p:cSld>
+    <p:spTree>
+      <p:nvGrpSpPr>
+        <p:cNvPr id="1" name=""/>
+        <p:cNvGrpSpPr/>
+        <p:nvPr/>
+      </p:nvGrpSpPr>
+      <p:grpSpPr>
+        <a:xfrm>
+          <a:off x="0" y="0"/>
+          <a:ext cx="0" cy="0"/>
+          <a:chOff x="0" y="0"/>
+          <a:chExt cx="0" cy="0"/>
+        </a:xfrm>
+      </p:grpSpPr>
+      <p:sp>
+        <p:nvSpPr>
+          <p:cNvPr id="2" name="Title 1"/>
+          <p:cNvSpPr>
+            <a:spLocks noGrp="1"/>
+          </p:cNvSpPr>
+          <p:nvPr>
+            <p:ph type="title"/>
+          </p:nvPr>
+        </p:nvSpPr>
+        <p:spPr/>
+        <p:txBody>
+          <a:bodyPr/>
+          <a:lstStyle/>
+          <a:p>
+            <a:r>
+              <a:rPr lang="en-US" dirty="0" smtClean="0"/>
+              <a:t>JavaScript Navigator Properties &amp; Methods</a:t>
+            </a:r>
+            <a:endParaRPr lang="en-US" dirty="0"/>
+          </a:p>
+        </p:txBody>
+      </p:sp>
+      <p:pic>
+        <p:nvPicPr>
+          <p:cNvPr id="10242" name="Picture 2"/>
+          <p:cNvPicPr>
+            <a:picLocks noGrp="1" noChangeAspect="1" noChangeArrowheads="1"/>
+          </p:cNvPicPr>
+          <p:nvPr>
+            <p:ph idx="1"/>
+          </p:nvPr>
+        </p:nvPicPr>
+        <p:blipFill>
+          <a:blip r:embed="rId2"/>
+          <a:srcRect/>
+          <a:stretch>
+            <a:fillRect/>
+          </a:stretch>
+        </p:blipFill>
+        <p:spPr bwMode="auto">
+          <a:xfrm>
+            <a:off x="1449977" y="1672046"/>
+            <a:ext cx="9927772" cy="4820194"/>
           </a:xfrm>
           <a:prstGeom prst="rect">
             <a:avLst/>
@@ -3448,13 +4473,29 @@
           <a:bodyPr/>
           <a:lstStyle/>
           <a:p>
-            <a:endParaRPr lang="en-US"/>
+            <a:r>
+              <a:rPr lang="en-US" dirty="0" err="1" smtClean="0"/>
+              <a:t>w</a:t>
+            </a:r>
+            <a:r>
+              <a:rPr lang="en-US" dirty="0" err="1" smtClean="0"/>
+              <a:t>indow.open</a:t>
+            </a:r>
+            <a:r>
+              <a:rPr lang="en-US" dirty="0" smtClean="0"/>
+              <a:t> And </a:t>
+            </a:r>
+            <a:r>
+              <a:rPr lang="en-US" dirty="0" err="1" smtClean="0"/>
+              <a:t>window.close</a:t>
+            </a:r>
+            <a:endParaRPr lang="en-US" dirty="0"/>
           </a:p>
         </p:txBody>
       </p:sp>
       <p:pic>
         <p:nvPicPr>
-          <p:cNvPr id="4098" name="Picture 2"/>
+          <p:cNvPr id="16386" name="Picture 2"/>
           <p:cNvPicPr>
             <a:picLocks noGrp="1" noChangeAspect="1" noChangeArrowheads="1"/>
           </p:cNvPicPr>
@@ -3471,8 +4512,8 @@
         </p:blipFill>
         <p:spPr bwMode="auto">
           <a:xfrm>
-            <a:off x="836023" y="391886"/>
-            <a:ext cx="10489474" cy="5785077"/>
+            <a:off x="1201783" y="1724296"/>
+            <a:ext cx="9757954" cy="4702629"/>
           </a:xfrm>
           <a:prstGeom prst="rect">
             <a:avLst/>
@@ -3527,13 +4568,25 @@
           <a:bodyPr/>
           <a:lstStyle/>
           <a:p>
-            <a:endParaRPr lang="en-US"/>
+            <a:r>
+              <a:rPr lang="en-US" dirty="0" err="1" smtClean="0"/>
+              <a:t>Window.resizeBy</a:t>
+            </a:r>
+            <a:r>
+              <a:rPr lang="en-US" dirty="0" smtClean="0"/>
+              <a:t> and </a:t>
+            </a:r>
+            <a:r>
+              <a:rPr lang="en-US" dirty="0" err="1" smtClean="0"/>
+              <a:t>window.moveTo</a:t>
+            </a:r>
+            <a:endParaRPr lang="en-US" dirty="0"/>
           </a:p>
         </p:txBody>
       </p:sp>
       <p:pic>
         <p:nvPicPr>
-          <p:cNvPr id="5122" name="Picture 2"/>
+          <p:cNvPr id="17410" name="Picture 2"/>
           <p:cNvPicPr>
             <a:picLocks noGrp="1" noChangeAspect="1" noChangeArrowheads="1"/>
           </p:cNvPicPr>
@@ -3550,8 +4603,8 @@
         </p:blipFill>
         <p:spPr bwMode="auto">
           <a:xfrm>
-            <a:off x="915949" y="480150"/>
-            <a:ext cx="10226669" cy="5985963"/>
+            <a:off x="1005840" y="1825625"/>
+            <a:ext cx="9379131" cy="4351338"/>
           </a:xfrm>
           <a:prstGeom prst="rect">
             <a:avLst/>
@@ -3606,13 +4659,21 @@
           <a:bodyPr/>
           <a:lstStyle/>
           <a:p>
-            <a:endParaRPr lang="en-US"/>
+            <a:r>
+              <a:rPr lang="en-US" dirty="0" smtClean="0"/>
+              <a:t>a</a:t>
+            </a:r>
+            <a:r>
+              <a:rPr lang="en-US" dirty="0" smtClean="0"/>
+              <a:t>lert</a:t>
+            </a:r>
+            <a:endParaRPr lang="en-US" dirty="0"/>
           </a:p>
         </p:txBody>
       </p:sp>
       <p:pic>
         <p:nvPicPr>
-          <p:cNvPr id="6146" name="Picture 2"/>
+          <p:cNvPr id="11266" name="Picture 2"/>
           <p:cNvPicPr>
             <a:picLocks noGrp="1" noChangeAspect="1" noChangeArrowheads="1"/>
           </p:cNvPicPr>
@@ -3629,8 +4690,8 @@
         </p:blipFill>
         <p:spPr bwMode="auto">
           <a:xfrm>
-            <a:off x="587827" y="245018"/>
-            <a:ext cx="10802983" cy="6417039"/>
+            <a:off x="1058091" y="1815736"/>
+            <a:ext cx="9966960" cy="4310743"/>
           </a:xfrm>
           <a:prstGeom prst="rect">
             <a:avLst/>
@@ -3685,13 +4746,17 @@
           <a:bodyPr/>
           <a:lstStyle/>
           <a:p>
-            <a:endParaRPr lang="en-US"/>
+            <a:r>
+              <a:rPr lang="en-US" dirty="0" smtClean="0"/>
+              <a:t>confirm</a:t>
+            </a:r>
+            <a:endParaRPr lang="en-US" dirty="0"/>
           </a:p>
         </p:txBody>
       </p:sp>
       <p:pic>
         <p:nvPicPr>
-          <p:cNvPr id="7170" name="Picture 2"/>
+          <p:cNvPr id="12290" name="Picture 2"/>
           <p:cNvPicPr>
             <a:picLocks noGrp="1" noChangeAspect="1" noChangeArrowheads="1"/>
           </p:cNvPicPr>
@@ -3708,8 +4773,91 @@
         </p:blipFill>
         <p:spPr bwMode="auto">
           <a:xfrm>
-            <a:off x="914401" y="480150"/>
-            <a:ext cx="10045336" cy="5345883"/>
+            <a:off x="2800934" y="1825625"/>
+            <a:ext cx="6590131" cy="4351338"/>
+          </a:xfrm>
+          <a:prstGeom prst="rect">
+            <a:avLst/>
+          </a:prstGeom>
+          <a:noFill/>
+          <a:ln w="9525">
+            <a:noFill/>
+            <a:miter lim="800000"/>
+            <a:headEnd/>
+            <a:tailEnd/>
+          </a:ln>
+          <a:effectLst/>
+        </p:spPr>
+      </p:pic>
+    </p:spTree>
+  </p:cSld>
+  <p:clrMapOvr>
+    <a:masterClrMapping/>
+  </p:clrMapOvr>
+</p:sld>
+</file>
+
+<file path=ppt/slides/slide9.xml><?xml version="1.0" encoding="utf-8"?>
+<p:sld xmlns:a="http://schemas.openxmlformats.org/drawingml/2006/main" xmlns:r="http://schemas.openxmlformats.org/officeDocument/2006/relationships" xmlns:p="http://schemas.openxmlformats.org/presentationml/2006/main">
+  <p:cSld>
+    <p:spTree>
+      <p:nvGrpSpPr>
+        <p:cNvPr id="1" name=""/>
+        <p:cNvGrpSpPr/>
+        <p:nvPr/>
+      </p:nvGrpSpPr>
+      <p:grpSpPr>
+        <a:xfrm>
+          <a:off x="0" y="0"/>
+          <a:ext cx="0" cy="0"/>
+          <a:chOff x="0" y="0"/>
+          <a:chExt cx="0" cy="0"/>
+        </a:xfrm>
+      </p:grpSpPr>
+      <p:sp>
+        <p:nvSpPr>
+          <p:cNvPr id="2" name="Title 1"/>
+          <p:cNvSpPr>
+            <a:spLocks noGrp="1"/>
+          </p:cNvSpPr>
+          <p:nvPr>
+            <p:ph type="title"/>
+          </p:nvPr>
+        </p:nvSpPr>
+        <p:spPr/>
+        <p:txBody>
+          <a:bodyPr/>
+          <a:lstStyle/>
+          <a:p>
+            <a:r>
+              <a:rPr lang="en-US" dirty="0" smtClean="0"/>
+              <a:t>prompt</a:t>
+            </a:r>
+            <a:endParaRPr lang="en-US" dirty="0"/>
+          </a:p>
+        </p:txBody>
+      </p:sp>
+      <p:pic>
+        <p:nvPicPr>
+          <p:cNvPr id="13314" name="Picture 2"/>
+          <p:cNvPicPr>
+            <a:picLocks noGrp="1" noChangeAspect="1" noChangeArrowheads="1"/>
+          </p:cNvPicPr>
+          <p:nvPr>
+            <p:ph idx="1"/>
+          </p:nvPr>
+        </p:nvPicPr>
+        <p:blipFill>
+          <a:blip r:embed="rId2"/>
+          <a:srcRect/>
+          <a:stretch>
+            <a:fillRect/>
+          </a:stretch>
+        </p:blipFill>
+        <p:spPr bwMode="auto">
+          <a:xfrm>
+            <a:off x="1005840" y="1721122"/>
+            <a:ext cx="10424159" cy="4351338"/>
           </a:xfrm>
           <a:prstGeom prst="rect">
             <a:avLst/>
@@ -3987,7 +5135,7 @@
   <a:extraClrSchemeLst/>
   <a:extLst>
     <a:ext uri="{05A4C25C-085E-4340-85A3-A5531E510DB2}">
-      <thm15:themeFamily xmlns="" xmlns:thm15="http://schemas.microsoft.com/office/thememl/2012/main" name="Office Theme" id="{62F939B6-93AF-4DB8-9C6B-D6C7DFDC589F}" vid="{4A3C46E8-61CC-4603-A589-7422A47A8E4A}"/>
+      <thm15:themeFamily xmlns:thm15="http://schemas.microsoft.com/office/thememl/2012/main" xmlns="" name="Office Theme" id="{62F939B6-93AF-4DB8-9C6B-D6C7DFDC589F}" vid="{4A3C46E8-61CC-4603-A589-7422A47A8E4A}"/>
     </a:ext>
   </a:extLst>
 </a:theme>

--- a/2022/June_Batch/5Javascript/others/new-version/7javascript - BOM.pptx
+++ b/2022/June_Batch/5Javascript/others/new-version/7javascript - BOM.pptx
@@ -6,26 +6,27 @@
   </p:sldMasterIdLst>
   <p:sldIdLst>
     <p:sldId id="289" r:id="rId2"/>
-    <p:sldId id="290" r:id="rId3"/>
-    <p:sldId id="291" r:id="rId4"/>
-    <p:sldId id="292" r:id="rId5"/>
-    <p:sldId id="312" r:id="rId6"/>
-    <p:sldId id="313" r:id="rId7"/>
-    <p:sldId id="307" r:id="rId8"/>
-    <p:sldId id="308" r:id="rId9"/>
-    <p:sldId id="309" r:id="rId10"/>
-    <p:sldId id="310" r:id="rId11"/>
-    <p:sldId id="311" r:id="rId12"/>
-    <p:sldId id="297" r:id="rId13"/>
-    <p:sldId id="298" r:id="rId14"/>
-    <p:sldId id="299" r:id="rId15"/>
-    <p:sldId id="300" r:id="rId16"/>
-    <p:sldId id="301" r:id="rId17"/>
-    <p:sldId id="302" r:id="rId18"/>
-    <p:sldId id="303" r:id="rId19"/>
-    <p:sldId id="304" r:id="rId20"/>
-    <p:sldId id="305" r:id="rId21"/>
-    <p:sldId id="306" r:id="rId22"/>
+    <p:sldId id="314" r:id="rId3"/>
+    <p:sldId id="290" r:id="rId4"/>
+    <p:sldId id="291" r:id="rId5"/>
+    <p:sldId id="292" r:id="rId6"/>
+    <p:sldId id="312" r:id="rId7"/>
+    <p:sldId id="313" r:id="rId8"/>
+    <p:sldId id="307" r:id="rId9"/>
+    <p:sldId id="308" r:id="rId10"/>
+    <p:sldId id="309" r:id="rId11"/>
+    <p:sldId id="310" r:id="rId12"/>
+    <p:sldId id="311" r:id="rId13"/>
+    <p:sldId id="297" r:id="rId14"/>
+    <p:sldId id="298" r:id="rId15"/>
+    <p:sldId id="299" r:id="rId16"/>
+    <p:sldId id="300" r:id="rId17"/>
+    <p:sldId id="301" r:id="rId18"/>
+    <p:sldId id="302" r:id="rId19"/>
+    <p:sldId id="303" r:id="rId20"/>
+    <p:sldId id="304" r:id="rId21"/>
+    <p:sldId id="305" r:id="rId22"/>
+    <p:sldId id="306" r:id="rId23"/>
   </p:sldIdLst>
   <p:sldSz cx="12192000" cy="6858000"/>
   <p:notesSz cx="6858000" cy="9144000"/>
@@ -126,7 +127,7 @@
   </p:defaultTextStyle>
   <p:extLst>
     <p:ext uri="{EFAFB233-063F-42B5-8137-9DF3F51BA10A}">
-      <p15:sldGuideLst xmlns:p15="http://schemas.microsoft.com/office/powerpoint/2012/main" xmlns="">
+      <p15:sldGuideLst xmlns="" xmlns:p15="http://schemas.microsoft.com/office/powerpoint/2012/main">
         <p15:guide id="1" orient="horz" pos="2160">
           <p15:clr>
             <a:srgbClr val="A4A3A4"/>
@@ -275,7 +276,7 @@
             <a:fld id="{7FCC5AE5-E495-4913-B643-A95A6AFABB00}" type="datetimeFigureOut">
               <a:rPr kumimoji="1" lang="ja-JP" altLang="en-US" smtClean="0"/>
               <a:pPr/>
-              <a:t>2022/8/2</a:t>
+              <a:t>2022/8/10</a:t>
             </a:fld>
             <a:endParaRPr kumimoji="1" lang="ja-JP" altLang="en-US"/>
           </a:p>
@@ -327,7 +328,7 @@
     </p:spTree>
     <p:extLst>
       <p:ext uri="{BB962C8B-B14F-4D97-AF65-F5344CB8AC3E}">
-        <p14:creationId xmlns:p14="http://schemas.microsoft.com/office/powerpoint/2010/main" xmlns="" val="3096064434"/>
+        <p14:creationId xmlns="" xmlns:p14="http://schemas.microsoft.com/office/powerpoint/2010/main" val="3096064434"/>
       </p:ext>
     </p:extLst>
   </p:cSld>
@@ -447,7 +448,7 @@
             <a:fld id="{7FCC5AE5-E495-4913-B643-A95A6AFABB00}" type="datetimeFigureOut">
               <a:rPr kumimoji="1" lang="ja-JP" altLang="en-US" smtClean="0"/>
               <a:pPr/>
-              <a:t>2022/8/2</a:t>
+              <a:t>2022/8/10</a:t>
             </a:fld>
             <a:endParaRPr kumimoji="1" lang="ja-JP" altLang="en-US"/>
           </a:p>
@@ -499,7 +500,7 @@
     </p:spTree>
     <p:extLst>
       <p:ext uri="{BB962C8B-B14F-4D97-AF65-F5344CB8AC3E}">
-        <p14:creationId xmlns:p14="http://schemas.microsoft.com/office/powerpoint/2010/main" xmlns="" val="71407721"/>
+        <p14:creationId xmlns="" xmlns:p14="http://schemas.microsoft.com/office/powerpoint/2010/main" val="71407721"/>
       </p:ext>
     </p:extLst>
   </p:cSld>
@@ -629,7 +630,7 @@
             <a:fld id="{7FCC5AE5-E495-4913-B643-A95A6AFABB00}" type="datetimeFigureOut">
               <a:rPr kumimoji="1" lang="ja-JP" altLang="en-US" smtClean="0"/>
               <a:pPr/>
-              <a:t>2022/8/2</a:t>
+              <a:t>2022/8/10</a:t>
             </a:fld>
             <a:endParaRPr kumimoji="1" lang="ja-JP" altLang="en-US"/>
           </a:p>
@@ -681,7 +682,7 @@
     </p:spTree>
     <p:extLst>
       <p:ext uri="{BB962C8B-B14F-4D97-AF65-F5344CB8AC3E}">
-        <p14:creationId xmlns:p14="http://schemas.microsoft.com/office/powerpoint/2010/main" xmlns="" val="3852493858"/>
+        <p14:creationId xmlns="" xmlns:p14="http://schemas.microsoft.com/office/powerpoint/2010/main" val="3852493858"/>
       </p:ext>
     </p:extLst>
   </p:cSld>
@@ -801,7 +802,7 @@
             <a:fld id="{7FCC5AE5-E495-4913-B643-A95A6AFABB00}" type="datetimeFigureOut">
               <a:rPr kumimoji="1" lang="ja-JP" altLang="en-US" smtClean="0"/>
               <a:pPr/>
-              <a:t>2022/8/2</a:t>
+              <a:t>2022/8/10</a:t>
             </a:fld>
             <a:endParaRPr kumimoji="1" lang="ja-JP" altLang="en-US"/>
           </a:p>
@@ -853,7 +854,7 @@
     </p:spTree>
     <p:extLst>
       <p:ext uri="{BB962C8B-B14F-4D97-AF65-F5344CB8AC3E}">
-        <p14:creationId xmlns:p14="http://schemas.microsoft.com/office/powerpoint/2010/main" xmlns="" val="282795843"/>
+        <p14:creationId xmlns="" xmlns:p14="http://schemas.microsoft.com/office/powerpoint/2010/main" val="282795843"/>
       </p:ext>
     </p:extLst>
   </p:cSld>
@@ -1049,7 +1050,7 @@
             <a:fld id="{7FCC5AE5-E495-4913-B643-A95A6AFABB00}" type="datetimeFigureOut">
               <a:rPr kumimoji="1" lang="ja-JP" altLang="en-US" smtClean="0"/>
               <a:pPr/>
-              <a:t>2022/8/2</a:t>
+              <a:t>2022/8/10</a:t>
             </a:fld>
             <a:endParaRPr kumimoji="1" lang="ja-JP" altLang="en-US"/>
           </a:p>
@@ -1101,7 +1102,7 @@
     </p:spTree>
     <p:extLst>
       <p:ext uri="{BB962C8B-B14F-4D97-AF65-F5344CB8AC3E}">
-        <p14:creationId xmlns:p14="http://schemas.microsoft.com/office/powerpoint/2010/main" xmlns="" val="1315004973"/>
+        <p14:creationId xmlns="" xmlns:p14="http://schemas.microsoft.com/office/powerpoint/2010/main" val="1315004973"/>
       </p:ext>
     </p:extLst>
   </p:cSld>
@@ -1283,7 +1284,7 @@
             <a:fld id="{7FCC5AE5-E495-4913-B643-A95A6AFABB00}" type="datetimeFigureOut">
               <a:rPr kumimoji="1" lang="ja-JP" altLang="en-US" smtClean="0"/>
               <a:pPr/>
-              <a:t>2022/8/2</a:t>
+              <a:t>2022/8/10</a:t>
             </a:fld>
             <a:endParaRPr kumimoji="1" lang="ja-JP" altLang="en-US"/>
           </a:p>
@@ -1335,7 +1336,7 @@
     </p:spTree>
     <p:extLst>
       <p:ext uri="{BB962C8B-B14F-4D97-AF65-F5344CB8AC3E}">
-        <p14:creationId xmlns:p14="http://schemas.microsoft.com/office/powerpoint/2010/main" xmlns="" val="3048296005"/>
+        <p14:creationId xmlns="" xmlns:p14="http://schemas.microsoft.com/office/powerpoint/2010/main" val="3048296005"/>
       </p:ext>
     </p:extLst>
   </p:cSld>
@@ -1652,7 +1653,7 @@
             <a:fld id="{7FCC5AE5-E495-4913-B643-A95A6AFABB00}" type="datetimeFigureOut">
               <a:rPr kumimoji="1" lang="ja-JP" altLang="en-US" smtClean="0"/>
               <a:pPr/>
-              <a:t>2022/8/2</a:t>
+              <a:t>2022/8/10</a:t>
             </a:fld>
             <a:endParaRPr kumimoji="1" lang="ja-JP" altLang="en-US"/>
           </a:p>
@@ -1704,7 +1705,7 @@
     </p:spTree>
     <p:extLst>
       <p:ext uri="{BB962C8B-B14F-4D97-AF65-F5344CB8AC3E}">
-        <p14:creationId xmlns:p14="http://schemas.microsoft.com/office/powerpoint/2010/main" xmlns="" val="890299385"/>
+        <p14:creationId xmlns="" xmlns:p14="http://schemas.microsoft.com/office/powerpoint/2010/main" val="890299385"/>
       </p:ext>
     </p:extLst>
   </p:cSld>
@@ -1772,7 +1773,7 @@
             <a:fld id="{7FCC5AE5-E495-4913-B643-A95A6AFABB00}" type="datetimeFigureOut">
               <a:rPr kumimoji="1" lang="ja-JP" altLang="en-US" smtClean="0"/>
               <a:pPr/>
-              <a:t>2022/8/2</a:t>
+              <a:t>2022/8/10</a:t>
             </a:fld>
             <a:endParaRPr kumimoji="1" lang="ja-JP" altLang="en-US"/>
           </a:p>
@@ -1824,7 +1825,7 @@
     </p:spTree>
     <p:extLst>
       <p:ext uri="{BB962C8B-B14F-4D97-AF65-F5344CB8AC3E}">
-        <p14:creationId xmlns:p14="http://schemas.microsoft.com/office/powerpoint/2010/main" xmlns="" val="2049573599"/>
+        <p14:creationId xmlns="" xmlns:p14="http://schemas.microsoft.com/office/powerpoint/2010/main" val="2049573599"/>
       </p:ext>
     </p:extLst>
   </p:cSld>
@@ -1869,7 +1870,7 @@
             <a:fld id="{7FCC5AE5-E495-4913-B643-A95A6AFABB00}" type="datetimeFigureOut">
               <a:rPr kumimoji="1" lang="ja-JP" altLang="en-US" smtClean="0"/>
               <a:pPr/>
-              <a:t>2022/8/2</a:t>
+              <a:t>2022/8/10</a:t>
             </a:fld>
             <a:endParaRPr kumimoji="1" lang="ja-JP" altLang="en-US"/>
           </a:p>
@@ -1921,7 +1922,7 @@
     </p:spTree>
     <p:extLst>
       <p:ext uri="{BB962C8B-B14F-4D97-AF65-F5344CB8AC3E}">
-        <p14:creationId xmlns:p14="http://schemas.microsoft.com/office/powerpoint/2010/main" xmlns="" val="1896888541"/>
+        <p14:creationId xmlns="" xmlns:p14="http://schemas.microsoft.com/office/powerpoint/2010/main" val="1896888541"/>
       </p:ext>
     </p:extLst>
   </p:cSld>
@@ -2148,7 +2149,7 @@
             <a:fld id="{7FCC5AE5-E495-4913-B643-A95A6AFABB00}" type="datetimeFigureOut">
               <a:rPr kumimoji="1" lang="ja-JP" altLang="en-US" smtClean="0"/>
               <a:pPr/>
-              <a:t>2022/8/2</a:t>
+              <a:t>2022/8/10</a:t>
             </a:fld>
             <a:endParaRPr kumimoji="1" lang="ja-JP" altLang="en-US"/>
           </a:p>
@@ -2200,7 +2201,7 @@
     </p:spTree>
     <p:extLst>
       <p:ext uri="{BB962C8B-B14F-4D97-AF65-F5344CB8AC3E}">
-        <p14:creationId xmlns:p14="http://schemas.microsoft.com/office/powerpoint/2010/main" xmlns="" val="1581260034"/>
+        <p14:creationId xmlns="" xmlns:p14="http://schemas.microsoft.com/office/powerpoint/2010/main" val="1581260034"/>
       </p:ext>
     </p:extLst>
   </p:cSld>
@@ -2407,7 +2408,7 @@
             <a:fld id="{7FCC5AE5-E495-4913-B643-A95A6AFABB00}" type="datetimeFigureOut">
               <a:rPr kumimoji="1" lang="ja-JP" altLang="en-US" smtClean="0"/>
               <a:pPr/>
-              <a:t>2022/8/2</a:t>
+              <a:t>2022/8/10</a:t>
             </a:fld>
             <a:endParaRPr kumimoji="1" lang="ja-JP" altLang="en-US"/>
           </a:p>
@@ -2459,7 +2460,7 @@
     </p:spTree>
     <p:extLst>
       <p:ext uri="{BB962C8B-B14F-4D97-AF65-F5344CB8AC3E}">
-        <p14:creationId xmlns:p14="http://schemas.microsoft.com/office/powerpoint/2010/main" xmlns="" val="2397771766"/>
+        <p14:creationId xmlns="" xmlns:p14="http://schemas.microsoft.com/office/powerpoint/2010/main" val="2397771766"/>
       </p:ext>
     </p:extLst>
   </p:cSld>
@@ -2622,7 +2623,7 @@
             <a:fld id="{7FCC5AE5-E495-4913-B643-A95A6AFABB00}" type="datetimeFigureOut">
               <a:rPr kumimoji="1" lang="ja-JP" altLang="en-US" smtClean="0"/>
               <a:pPr/>
-              <a:t>2022/8/2</a:t>
+              <a:t>2022/8/10</a:t>
             </a:fld>
             <a:endParaRPr kumimoji="1" lang="ja-JP" altLang="en-US"/>
           </a:p>
@@ -2712,7 +2713,7 @@
           <p:cNvPr id="7" name="TextBox 6">
             <a:extLst>
               <a:ext uri="{FF2B5EF4-FFF2-40B4-BE49-F238E27FC236}">
-                <a16:creationId xmlns:a16="http://schemas.microsoft.com/office/drawing/2014/main" xmlns="" id="{847969B0-9AAB-4EBF-AF99-17A470D83F03}"/>
+                <a16:creationId xmlns="" xmlns:a16="http://schemas.microsoft.com/office/drawing/2014/main" id="{847969B0-9AAB-4EBF-AF99-17A470D83F03}"/>
               </a:ext>
             </a:extLst>
           </p:cNvPr>
@@ -2759,7 +2760,7 @@
     </p:spTree>
     <p:extLst>
       <p:ext uri="{BB962C8B-B14F-4D97-AF65-F5344CB8AC3E}">
-        <p14:creationId xmlns:p14="http://schemas.microsoft.com/office/powerpoint/2010/main" xmlns="" val="492407304"/>
+        <p14:creationId xmlns="" xmlns:p14="http://schemas.microsoft.com/office/powerpoint/2010/main" val="492407304"/>
       </p:ext>
     </p:extLst>
   </p:cSld>
@@ -3167,7 +3168,7 @@
     </p:spTree>
     <p:extLst>
       <p:ext uri="{BB962C8B-B14F-4D97-AF65-F5344CB8AC3E}">
-        <p14:creationId xmlns:p14="http://schemas.microsoft.com/office/powerpoint/2010/main" xmlns="" val="4062787881"/>
+        <p14:creationId xmlns="" xmlns:p14="http://schemas.microsoft.com/office/powerpoint/2010/main" val="4062787881"/>
       </p:ext>
     </p:extLst>
   </p:cSld>
@@ -3217,8 +3218,8 @@
           <a:lstStyle/>
           <a:p>
             <a:r>
-              <a:rPr lang="en-US" dirty="0" err="1" smtClean="0"/>
-              <a:t>setTimeout</a:t>
+              <a:rPr lang="en-US" dirty="0" smtClean="0"/>
+              <a:t>prompt</a:t>
             </a:r>
             <a:endParaRPr lang="en-US" dirty="0"/>
           </a:p>
@@ -3226,7 +3227,7 @@
       </p:sp>
       <p:pic>
         <p:nvPicPr>
-          <p:cNvPr id="14338" name="Picture 2"/>
+          <p:cNvPr id="13314" name="Picture 2"/>
           <p:cNvPicPr>
             <a:picLocks noGrp="1" noChangeAspect="1" noChangeArrowheads="1"/>
           </p:cNvPicPr>
@@ -3243,8 +3244,8 @@
         </p:blipFill>
         <p:spPr bwMode="auto">
           <a:xfrm>
-            <a:off x="627016" y="1776548"/>
-            <a:ext cx="10554789" cy="4323805"/>
+            <a:off x="1005840" y="1721122"/>
+            <a:ext cx="10424159" cy="4351338"/>
           </a:xfrm>
           <a:prstGeom prst="rect">
             <a:avLst/>
@@ -3301,7 +3302,7 @@
           <a:p>
             <a:r>
               <a:rPr lang="en-US" dirty="0" err="1" smtClean="0"/>
-              <a:t>setInterval</a:t>
+              <a:t>setTimeout</a:t>
             </a:r>
             <a:endParaRPr lang="en-US" dirty="0"/>
           </a:p>
@@ -3309,7 +3310,7 @@
       </p:sp>
       <p:pic>
         <p:nvPicPr>
-          <p:cNvPr id="15362" name="Picture 2"/>
+          <p:cNvPr id="14338" name="Picture 2"/>
           <p:cNvPicPr>
             <a:picLocks noGrp="1" noChangeAspect="1" noChangeArrowheads="1"/>
           </p:cNvPicPr>
@@ -3326,8 +3327,8 @@
         </p:blipFill>
         <p:spPr bwMode="auto">
           <a:xfrm>
-            <a:off x="1227909" y="1502228"/>
-            <a:ext cx="9784080" cy="4807132"/>
+            <a:off x="627016" y="1776548"/>
+            <a:ext cx="10554789" cy="4323805"/>
           </a:xfrm>
           <a:prstGeom prst="rect">
             <a:avLst/>
@@ -3384,7 +3385,7 @@
           <a:p>
             <a:r>
               <a:rPr lang="en-US" dirty="0" err="1" smtClean="0"/>
-              <a:t>Window.history</a:t>
+              <a:t>setInterval</a:t>
             </a:r>
             <a:endParaRPr lang="en-US" dirty="0"/>
           </a:p>
@@ -3392,7 +3393,7 @@
       </p:sp>
       <p:pic>
         <p:nvPicPr>
-          <p:cNvPr id="1026" name="Picture 2"/>
+          <p:cNvPr id="15362" name="Picture 2"/>
           <p:cNvPicPr>
             <a:picLocks noGrp="1" noChangeAspect="1" noChangeArrowheads="1"/>
           </p:cNvPicPr>
@@ -3409,8 +3410,8 @@
         </p:blipFill>
         <p:spPr bwMode="auto">
           <a:xfrm>
-            <a:off x="783772" y="1773374"/>
-            <a:ext cx="10476411" cy="4351338"/>
+            <a:off x="1227909" y="1502228"/>
+            <a:ext cx="9784080" cy="4807132"/>
           </a:xfrm>
           <a:prstGeom prst="rect">
             <a:avLst/>
@@ -3467,6 +3468,93 @@
           <a:p>
             <a:r>
               <a:rPr lang="en-US" dirty="0" smtClean="0"/>
+              <a:t>2. </a:t>
+            </a:r>
+            <a:r>
+              <a:rPr lang="en-US" dirty="0" err="1" smtClean="0"/>
+              <a:t>Window.history</a:t>
+            </a:r>
+            <a:endParaRPr lang="en-US" dirty="0"/>
+          </a:p>
+        </p:txBody>
+      </p:sp>
+      <p:pic>
+        <p:nvPicPr>
+          <p:cNvPr id="1026" name="Picture 2"/>
+          <p:cNvPicPr>
+            <a:picLocks noGrp="1" noChangeAspect="1" noChangeArrowheads="1"/>
+          </p:cNvPicPr>
+          <p:nvPr>
+            <p:ph idx="1"/>
+          </p:nvPr>
+        </p:nvPicPr>
+        <p:blipFill>
+          <a:blip r:embed="rId2"/>
+          <a:srcRect/>
+          <a:stretch>
+            <a:fillRect/>
+          </a:stretch>
+        </p:blipFill>
+        <p:spPr bwMode="auto">
+          <a:xfrm>
+            <a:off x="783772" y="1773374"/>
+            <a:ext cx="10476411" cy="4351338"/>
+          </a:xfrm>
+          <a:prstGeom prst="rect">
+            <a:avLst/>
+          </a:prstGeom>
+          <a:noFill/>
+          <a:ln w="9525">
+            <a:noFill/>
+            <a:miter lim="800000"/>
+            <a:headEnd/>
+            <a:tailEnd/>
+          </a:ln>
+          <a:effectLst/>
+        </p:spPr>
+      </p:pic>
+    </p:spTree>
+  </p:cSld>
+  <p:clrMapOvr>
+    <a:masterClrMapping/>
+  </p:clrMapOvr>
+</p:sld>
+</file>
+
+<file path=ppt/slides/slide14.xml><?xml version="1.0" encoding="utf-8"?>
+<p:sld xmlns:a="http://schemas.openxmlformats.org/drawingml/2006/main" xmlns:r="http://schemas.openxmlformats.org/officeDocument/2006/relationships" xmlns:p="http://schemas.openxmlformats.org/presentationml/2006/main">
+  <p:cSld>
+    <p:spTree>
+      <p:nvGrpSpPr>
+        <p:cNvPr id="1" name=""/>
+        <p:cNvGrpSpPr/>
+        <p:nvPr/>
+      </p:nvGrpSpPr>
+      <p:grpSpPr>
+        <a:xfrm>
+          <a:off x="0" y="0"/>
+          <a:ext cx="0" cy="0"/>
+          <a:chOff x="0" y="0"/>
+          <a:chExt cx="0" cy="0"/>
+        </a:xfrm>
+      </p:grpSpPr>
+      <p:sp>
+        <p:nvSpPr>
+          <p:cNvPr id="2" name="Title 1"/>
+          <p:cNvSpPr>
+            <a:spLocks noGrp="1"/>
+          </p:cNvSpPr>
+          <p:nvPr>
+            <p:ph type="title"/>
+          </p:nvPr>
+        </p:nvSpPr>
+        <p:spPr/>
+        <p:txBody>
+          <a:bodyPr/>
+          <a:lstStyle/>
+          <a:p>
+            <a:r>
+              <a:rPr lang="en-US" dirty="0" smtClean="0"/>
               <a:t>Move Backward</a:t>
             </a:r>
             <a:endParaRPr lang="en-US" dirty="0"/>
@@ -3516,7 +3604,7 @@
 </p:sld>
 </file>
 
-<file path=ppt/slides/slide14.xml><?xml version="1.0" encoding="utf-8"?>
+<file path=ppt/slides/slide15.xml><?xml version="1.0" encoding="utf-8"?>
 <p:sld xmlns:a="http://schemas.openxmlformats.org/drawingml/2006/main" xmlns:r="http://schemas.openxmlformats.org/officeDocument/2006/relationships" xmlns:p="http://schemas.openxmlformats.org/presentationml/2006/main">
   <p:cSld>
     <p:spTree>
@@ -3616,89 +3704,6 @@
 </p:sld>
 </file>
 
-<file path=ppt/slides/slide15.xml><?xml version="1.0" encoding="utf-8"?>
-<p:sld xmlns:a="http://schemas.openxmlformats.org/drawingml/2006/main" xmlns:r="http://schemas.openxmlformats.org/officeDocument/2006/relationships" xmlns:p="http://schemas.openxmlformats.org/presentationml/2006/main">
-  <p:cSld>
-    <p:spTree>
-      <p:nvGrpSpPr>
-        <p:cNvPr id="1" name=""/>
-        <p:cNvGrpSpPr/>
-        <p:nvPr/>
-      </p:nvGrpSpPr>
-      <p:grpSpPr>
-        <a:xfrm>
-          <a:off x="0" y="0"/>
-          <a:ext cx="0" cy="0"/>
-          <a:chOff x="0" y="0"/>
-          <a:chExt cx="0" cy="0"/>
-        </a:xfrm>
-      </p:grpSpPr>
-      <p:sp>
-        <p:nvSpPr>
-          <p:cNvPr id="2" name="Title 1"/>
-          <p:cNvSpPr>
-            <a:spLocks noGrp="1"/>
-          </p:cNvSpPr>
-          <p:nvPr>
-            <p:ph type="title"/>
-          </p:nvPr>
-        </p:nvSpPr>
-        <p:spPr/>
-        <p:txBody>
-          <a:bodyPr/>
-          <a:lstStyle/>
-          <a:p>
-            <a:r>
-              <a:rPr lang="en-US" dirty="0" smtClean="0"/>
-              <a:t>URL History</a:t>
-            </a:r>
-            <a:endParaRPr lang="en-US" dirty="0"/>
-          </a:p>
-        </p:txBody>
-      </p:sp>
-      <p:pic>
-        <p:nvPicPr>
-          <p:cNvPr id="4098" name="Picture 2"/>
-          <p:cNvPicPr>
-            <a:picLocks noGrp="1" noChangeAspect="1" noChangeArrowheads="1"/>
-          </p:cNvPicPr>
-          <p:nvPr>
-            <p:ph idx="1"/>
-          </p:nvPr>
-        </p:nvPicPr>
-        <p:blipFill>
-          <a:blip r:embed="rId2"/>
-          <a:srcRect/>
-          <a:stretch>
-            <a:fillRect/>
-          </a:stretch>
-        </p:blipFill>
-        <p:spPr bwMode="auto">
-          <a:xfrm>
-            <a:off x="888274" y="1747247"/>
-            <a:ext cx="10110652" cy="4351338"/>
-          </a:xfrm>
-          <a:prstGeom prst="rect">
-            <a:avLst/>
-          </a:prstGeom>
-          <a:noFill/>
-          <a:ln w="9525">
-            <a:noFill/>
-            <a:miter lim="800000"/>
-            <a:headEnd/>
-            <a:tailEnd/>
-          </a:ln>
-          <a:effectLst/>
-        </p:spPr>
-      </p:pic>
-    </p:spTree>
-  </p:cSld>
-  <p:clrMapOvr>
-    <a:masterClrMapping/>
-  </p:clrMapOvr>
-</p:sld>
-</file>
-
 <file path=ppt/slides/slide16.xml><?xml version="1.0" encoding="utf-8"?>
 <p:sld xmlns:a="http://schemas.openxmlformats.org/drawingml/2006/main" xmlns:r="http://schemas.openxmlformats.org/officeDocument/2006/relationships" xmlns:p="http://schemas.openxmlformats.org/presentationml/2006/main">
   <p:cSld>
@@ -3732,8 +3737,8 @@
           <a:lstStyle/>
           <a:p>
             <a:r>
-              <a:rPr lang="en-US" dirty="0" err="1" smtClean="0"/>
-              <a:t>Window.navigator</a:t>
+              <a:rPr lang="en-US" dirty="0" smtClean="0"/>
+              <a:t>URL History</a:t>
             </a:r>
             <a:endParaRPr lang="en-US" dirty="0"/>
           </a:p>
@@ -3741,7 +3746,7 @@
       </p:sp>
       <p:pic>
         <p:nvPicPr>
-          <p:cNvPr id="5122" name="Picture 2"/>
+          <p:cNvPr id="4098" name="Picture 2"/>
           <p:cNvPicPr>
             <a:picLocks noGrp="1" noChangeAspect="1" noChangeArrowheads="1"/>
           </p:cNvPicPr>
@@ -3758,8 +3763,8 @@
         </p:blipFill>
         <p:spPr bwMode="auto">
           <a:xfrm>
-            <a:off x="457201" y="1564368"/>
-            <a:ext cx="11299371" cy="4351338"/>
+            <a:off x="888274" y="1747247"/>
+            <a:ext cx="10110652" cy="4351338"/>
           </a:xfrm>
           <a:prstGeom prst="rect">
             <a:avLst/>
@@ -3814,13 +3819,21 @@
           <a:bodyPr/>
           <a:lstStyle/>
           <a:p>
-            <a:endParaRPr lang="en-US"/>
+            <a:r>
+              <a:rPr lang="en-US" dirty="0" smtClean="0"/>
+              <a:t>3. </a:t>
+            </a:r>
+            <a:r>
+              <a:rPr lang="en-US" dirty="0" err="1" smtClean="0"/>
+              <a:t>Window.navigator</a:t>
+            </a:r>
+            <a:endParaRPr lang="en-US" dirty="0"/>
           </a:p>
         </p:txBody>
       </p:sp>
       <p:pic>
         <p:nvPicPr>
-          <p:cNvPr id="6146" name="Picture 2"/>
+          <p:cNvPr id="5122" name="Picture 2"/>
           <p:cNvPicPr>
             <a:picLocks noGrp="1" noChangeAspect="1" noChangeArrowheads="1"/>
           </p:cNvPicPr>
@@ -3837,8 +3850,8 @@
         </p:blipFill>
         <p:spPr bwMode="auto">
           <a:xfrm>
-            <a:off x="548640" y="352698"/>
-            <a:ext cx="10998926" cy="5891348"/>
+            <a:off x="457201" y="1564368"/>
+            <a:ext cx="11299371" cy="4351338"/>
           </a:xfrm>
           <a:prstGeom prst="rect">
             <a:avLst/>
@@ -3893,20 +3906,13 @@
           <a:bodyPr/>
           <a:lstStyle/>
           <a:p>
-            <a:r>
-              <a:rPr lang="en-US" dirty="0" smtClean="0"/>
-              <a:t>JavaScript Navigator Properties &amp; Methods</a:t>
-            </a:r>
-            <a:br>
-              <a:rPr lang="en-US" dirty="0" smtClean="0"/>
-            </a:br>
-            <a:endParaRPr lang="en-US" dirty="0"/>
+            <a:endParaRPr lang="en-US"/>
           </a:p>
         </p:txBody>
       </p:sp>
       <p:pic>
         <p:nvPicPr>
-          <p:cNvPr id="7170" name="Picture 2"/>
+          <p:cNvPr id="6146" name="Picture 2"/>
           <p:cNvPicPr>
             <a:picLocks noGrp="1" noChangeAspect="1" noChangeArrowheads="1"/>
           </p:cNvPicPr>
@@ -3923,8 +3929,8 @@
         </p:blipFill>
         <p:spPr bwMode="auto">
           <a:xfrm>
-            <a:off x="953588" y="1502228"/>
-            <a:ext cx="10972801" cy="4872445"/>
+            <a:off x="548640" y="352698"/>
+            <a:ext cx="10998926" cy="5891348"/>
           </a:xfrm>
           <a:prstGeom prst="rect">
             <a:avLst/>
@@ -3983,13 +3989,16 @@
               <a:rPr lang="en-US" dirty="0" smtClean="0"/>
               <a:t>JavaScript Navigator Properties &amp; Methods</a:t>
             </a:r>
+            <a:br>
+              <a:rPr lang="en-US" dirty="0" smtClean="0"/>
+            </a:br>
             <a:endParaRPr lang="en-US" dirty="0"/>
           </a:p>
         </p:txBody>
       </p:sp>
       <p:pic>
         <p:nvPicPr>
-          <p:cNvPr id="8194" name="Picture 2"/>
+          <p:cNvPr id="7170" name="Picture 2"/>
           <p:cNvPicPr>
             <a:picLocks noGrp="1" noChangeAspect="1" noChangeArrowheads="1"/>
           </p:cNvPicPr>
@@ -4006,8 +4015,8 @@
         </p:blipFill>
         <p:spPr bwMode="auto">
           <a:xfrm>
-            <a:off x="679269" y="1825625"/>
-            <a:ext cx="10672354" cy="4351338"/>
+            <a:off x="953588" y="1502228"/>
+            <a:ext cx="10972801" cy="4872445"/>
           </a:xfrm>
           <a:prstGeom prst="rect">
             <a:avLst/>
@@ -4064,7 +4073,7 @@
           <a:p>
             <a:r>
               <a:rPr lang="en-US" dirty="0" smtClean="0"/>
-              <a:t>BOM</a:t>
+              <a:t>1.Window Object</a:t>
             </a:r>
             <a:endParaRPr lang="en-US" dirty="0"/>
           </a:p>
@@ -4089,8 +4098,41 @@
         </p:blipFill>
         <p:spPr bwMode="auto">
           <a:xfrm>
-            <a:off x="718457" y="1580607"/>
-            <a:ext cx="10515600" cy="4558936"/>
+            <a:off x="2169658" y="1764960"/>
+            <a:ext cx="6677025" cy="1990725"/>
+          </a:xfrm>
+          <a:prstGeom prst="rect">
+            <a:avLst/>
+          </a:prstGeom>
+          <a:noFill/>
+          <a:ln w="9525">
+            <a:noFill/>
+            <a:miter lim="800000"/>
+            <a:headEnd/>
+            <a:tailEnd/>
+          </a:ln>
+          <a:effectLst/>
+        </p:spPr>
+      </p:pic>
+      <p:pic>
+        <p:nvPicPr>
+          <p:cNvPr id="1027" name="Picture 3"/>
+          <p:cNvPicPr>
+            <a:picLocks noChangeAspect="1" noChangeArrowheads="1"/>
+          </p:cNvPicPr>
+          <p:nvPr/>
+        </p:nvPicPr>
+        <p:blipFill>
+          <a:blip r:embed="rId3"/>
+          <a:srcRect/>
+          <a:stretch>
+            <a:fillRect/>
+          </a:stretch>
+        </p:blipFill>
+        <p:spPr bwMode="auto">
+          <a:xfrm>
+            <a:off x="2369548" y="4471443"/>
+            <a:ext cx="6381750" cy="1990725"/>
           </a:xfrm>
           <a:prstGeom prst="rect">
             <a:avLst/>
@@ -4155,6 +4197,89 @@
       </p:sp>
       <p:pic>
         <p:nvPicPr>
+          <p:cNvPr id="8194" name="Picture 2"/>
+          <p:cNvPicPr>
+            <a:picLocks noGrp="1" noChangeAspect="1" noChangeArrowheads="1"/>
+          </p:cNvPicPr>
+          <p:nvPr>
+            <p:ph idx="1"/>
+          </p:nvPr>
+        </p:nvPicPr>
+        <p:blipFill>
+          <a:blip r:embed="rId2"/>
+          <a:srcRect/>
+          <a:stretch>
+            <a:fillRect/>
+          </a:stretch>
+        </p:blipFill>
+        <p:spPr bwMode="auto">
+          <a:xfrm>
+            <a:off x="679269" y="1825625"/>
+            <a:ext cx="10672354" cy="4351338"/>
+          </a:xfrm>
+          <a:prstGeom prst="rect">
+            <a:avLst/>
+          </a:prstGeom>
+          <a:noFill/>
+          <a:ln w="9525">
+            <a:noFill/>
+            <a:miter lim="800000"/>
+            <a:headEnd/>
+            <a:tailEnd/>
+          </a:ln>
+          <a:effectLst/>
+        </p:spPr>
+      </p:pic>
+    </p:spTree>
+  </p:cSld>
+  <p:clrMapOvr>
+    <a:masterClrMapping/>
+  </p:clrMapOvr>
+</p:sld>
+</file>
+
+<file path=ppt/slides/slide21.xml><?xml version="1.0" encoding="utf-8"?>
+<p:sld xmlns:a="http://schemas.openxmlformats.org/drawingml/2006/main" xmlns:r="http://schemas.openxmlformats.org/officeDocument/2006/relationships" xmlns:p="http://schemas.openxmlformats.org/presentationml/2006/main">
+  <p:cSld>
+    <p:spTree>
+      <p:nvGrpSpPr>
+        <p:cNvPr id="1" name=""/>
+        <p:cNvGrpSpPr/>
+        <p:nvPr/>
+      </p:nvGrpSpPr>
+      <p:grpSpPr>
+        <a:xfrm>
+          <a:off x="0" y="0"/>
+          <a:ext cx="0" cy="0"/>
+          <a:chOff x="0" y="0"/>
+          <a:chExt cx="0" cy="0"/>
+        </a:xfrm>
+      </p:grpSpPr>
+      <p:sp>
+        <p:nvSpPr>
+          <p:cNvPr id="2" name="Title 1"/>
+          <p:cNvSpPr>
+            <a:spLocks noGrp="1"/>
+          </p:cNvSpPr>
+          <p:nvPr>
+            <p:ph type="title"/>
+          </p:nvPr>
+        </p:nvSpPr>
+        <p:spPr/>
+        <p:txBody>
+          <a:bodyPr/>
+          <a:lstStyle/>
+          <a:p>
+            <a:r>
+              <a:rPr lang="en-US" dirty="0" smtClean="0"/>
+              <a:t>JavaScript Navigator Properties &amp; Methods</a:t>
+            </a:r>
+            <a:endParaRPr lang="en-US" dirty="0"/>
+          </a:p>
+        </p:txBody>
+      </p:sp>
+      <p:pic>
+        <p:nvPicPr>
           <p:cNvPr id="9218" name="Picture 2"/>
           <p:cNvPicPr>
             <a:picLocks noGrp="1" noChangeAspect="1" noChangeArrowheads="1"/>
@@ -4196,7 +4321,7 @@
 </p:sld>
 </file>
 
-<file path=ppt/slides/slide21.xml><?xml version="1.0" encoding="utf-8"?>
+<file path=ppt/slides/slide22.xml><?xml version="1.0" encoding="utf-8"?>
 <p:sld xmlns:a="http://schemas.openxmlformats.org/drawingml/2006/main" xmlns:r="http://schemas.openxmlformats.org/officeDocument/2006/relationships" xmlns:p="http://schemas.openxmlformats.org/presentationml/2006/main">
   <p:cSld>
     <p:spTree>
@@ -4313,7 +4438,7 @@
           <a:p>
             <a:r>
               <a:rPr lang="en-US" dirty="0" smtClean="0"/>
-              <a:t>Window Object</a:t>
+              <a:t>BOM</a:t>
             </a:r>
             <a:endParaRPr lang="en-US" dirty="0"/>
           </a:p>
@@ -4321,7 +4446,7 @@
       </p:sp>
       <p:pic>
         <p:nvPicPr>
-          <p:cNvPr id="2050" name="Picture 2"/>
+          <p:cNvPr id="1026" name="Picture 2"/>
           <p:cNvPicPr>
             <a:picLocks noGrp="1" noChangeAspect="1" noChangeArrowheads="1"/>
           </p:cNvPicPr>
@@ -4338,8 +4463,8 @@
         </p:blipFill>
         <p:spPr bwMode="auto">
           <a:xfrm>
-            <a:off x="2521132" y="1890940"/>
-            <a:ext cx="6975565" cy="4351338"/>
+            <a:off x="718457" y="1580607"/>
+            <a:ext cx="10515600" cy="4558936"/>
           </a:xfrm>
           <a:prstGeom prst="rect">
             <a:avLst/>
@@ -4394,13 +4519,17 @@
           <a:bodyPr/>
           <a:lstStyle/>
           <a:p>
-            <a:endParaRPr lang="en-US"/>
+            <a:r>
+              <a:rPr lang="en-US" dirty="0" smtClean="0"/>
+              <a:t>Window Object</a:t>
+            </a:r>
+            <a:endParaRPr lang="en-US" dirty="0"/>
           </a:p>
         </p:txBody>
       </p:sp>
       <p:pic>
         <p:nvPicPr>
-          <p:cNvPr id="3074" name="Picture 2"/>
+          <p:cNvPr id="2050" name="Picture 2"/>
           <p:cNvPicPr>
             <a:picLocks noGrp="1" noChangeAspect="1" noChangeArrowheads="1"/>
           </p:cNvPicPr>
@@ -4417,8 +4546,8 @@
         </p:blipFill>
         <p:spPr bwMode="auto">
           <a:xfrm>
-            <a:off x="653143" y="300446"/>
-            <a:ext cx="10868297" cy="6217920"/>
+            <a:off x="2521132" y="1890940"/>
+            <a:ext cx="6975565" cy="4351338"/>
           </a:xfrm>
           <a:prstGeom prst="rect">
             <a:avLst/>
@@ -4473,29 +4602,13 @@
           <a:bodyPr/>
           <a:lstStyle/>
           <a:p>
-            <a:r>
-              <a:rPr lang="en-US" dirty="0" err="1" smtClean="0"/>
-              <a:t>w</a:t>
-            </a:r>
-            <a:r>
-              <a:rPr lang="en-US" dirty="0" err="1" smtClean="0"/>
-              <a:t>indow.open</a:t>
-            </a:r>
-            <a:r>
-              <a:rPr lang="en-US" dirty="0" smtClean="0"/>
-              <a:t> And </a:t>
-            </a:r>
-            <a:r>
-              <a:rPr lang="en-US" dirty="0" err="1" smtClean="0"/>
-              <a:t>window.close</a:t>
-            </a:r>
-            <a:endParaRPr lang="en-US" dirty="0"/>
+            <a:endParaRPr lang="en-US"/>
           </a:p>
         </p:txBody>
       </p:sp>
       <p:pic>
         <p:nvPicPr>
-          <p:cNvPr id="16386" name="Picture 2"/>
+          <p:cNvPr id="3074" name="Picture 2"/>
           <p:cNvPicPr>
             <a:picLocks noGrp="1" noChangeAspect="1" noChangeArrowheads="1"/>
           </p:cNvPicPr>
@@ -4512,8 +4625,8 @@
         </p:blipFill>
         <p:spPr bwMode="auto">
           <a:xfrm>
-            <a:off x="1201783" y="1724296"/>
-            <a:ext cx="9757954" cy="4702629"/>
+            <a:off x="653143" y="300446"/>
+            <a:ext cx="10868297" cy="6217920"/>
           </a:xfrm>
           <a:prstGeom prst="rect">
             <a:avLst/>
@@ -4570,15 +4683,15 @@
           <a:p>
             <a:r>
               <a:rPr lang="en-US" dirty="0" err="1" smtClean="0"/>
-              <a:t>Window.resizeBy</a:t>
+              <a:t>window.open</a:t>
             </a:r>
             <a:r>
               <a:rPr lang="en-US" dirty="0" smtClean="0"/>
-              <a:t> and </a:t>
+              <a:t> And </a:t>
             </a:r>
             <a:r>
               <a:rPr lang="en-US" dirty="0" err="1" smtClean="0"/>
-              <a:t>window.moveTo</a:t>
+              <a:t>window.close</a:t>
             </a:r>
             <a:endParaRPr lang="en-US" dirty="0"/>
           </a:p>
@@ -4586,7 +4699,7 @@
       </p:sp>
       <p:pic>
         <p:nvPicPr>
-          <p:cNvPr id="17410" name="Picture 2"/>
+          <p:cNvPr id="16386" name="Picture 2"/>
           <p:cNvPicPr>
             <a:picLocks noGrp="1" noChangeAspect="1" noChangeArrowheads="1"/>
           </p:cNvPicPr>
@@ -4603,8 +4716,8 @@
         </p:blipFill>
         <p:spPr bwMode="auto">
           <a:xfrm>
-            <a:off x="1005840" y="1825625"/>
-            <a:ext cx="9379131" cy="4351338"/>
+            <a:off x="1201783" y="1724296"/>
+            <a:ext cx="9757954" cy="4702629"/>
           </a:xfrm>
           <a:prstGeom prst="rect">
             <a:avLst/>
@@ -4660,12 +4773,16 @@
           <a:lstStyle/>
           <a:p>
             <a:r>
+              <a:rPr lang="en-US" dirty="0" err="1" smtClean="0"/>
+              <a:t>Window.resizeBy</a:t>
+            </a:r>
+            <a:r>
               <a:rPr lang="en-US" dirty="0" smtClean="0"/>
-              <a:t>a</a:t>
-            </a:r>
-            <a:r>
-              <a:rPr lang="en-US" dirty="0" smtClean="0"/>
-              <a:t>lert</a:t>
+              <a:t> and </a:t>
+            </a:r>
+            <a:r>
+              <a:rPr lang="en-US" dirty="0" err="1" smtClean="0"/>
+              <a:t>window.moveTo</a:t>
             </a:r>
             <a:endParaRPr lang="en-US" dirty="0"/>
           </a:p>
@@ -4673,7 +4790,7 @@
       </p:sp>
       <p:pic>
         <p:nvPicPr>
-          <p:cNvPr id="11266" name="Picture 2"/>
+          <p:cNvPr id="17410" name="Picture 2"/>
           <p:cNvPicPr>
             <a:picLocks noGrp="1" noChangeAspect="1" noChangeArrowheads="1"/>
           </p:cNvPicPr>
@@ -4690,8 +4807,8 @@
         </p:blipFill>
         <p:spPr bwMode="auto">
           <a:xfrm>
-            <a:off x="1058091" y="1815736"/>
-            <a:ext cx="9966960" cy="4310743"/>
+            <a:off x="1005840" y="1825625"/>
+            <a:ext cx="9379131" cy="4351338"/>
           </a:xfrm>
           <a:prstGeom prst="rect">
             <a:avLst/>
@@ -4748,7 +4865,7 @@
           <a:p>
             <a:r>
               <a:rPr lang="en-US" dirty="0" smtClean="0"/>
-              <a:t>confirm</a:t>
+              <a:t>alert</a:t>
             </a:r>
             <a:endParaRPr lang="en-US" dirty="0"/>
           </a:p>
@@ -4756,7 +4873,7 @@
       </p:sp>
       <p:pic>
         <p:nvPicPr>
-          <p:cNvPr id="12290" name="Picture 2"/>
+          <p:cNvPr id="11266" name="Picture 2"/>
           <p:cNvPicPr>
             <a:picLocks noGrp="1" noChangeAspect="1" noChangeArrowheads="1"/>
           </p:cNvPicPr>
@@ -4773,8 +4890,8 @@
         </p:blipFill>
         <p:spPr bwMode="auto">
           <a:xfrm>
-            <a:off x="2800934" y="1825625"/>
-            <a:ext cx="6590131" cy="4351338"/>
+            <a:off x="1058091" y="1815736"/>
+            <a:ext cx="9966960" cy="4310743"/>
           </a:xfrm>
           <a:prstGeom prst="rect">
             <a:avLst/>
@@ -4831,7 +4948,7 @@
           <a:p>
             <a:r>
               <a:rPr lang="en-US" dirty="0" smtClean="0"/>
-              <a:t>prompt</a:t>
+              <a:t>confirm</a:t>
             </a:r>
             <a:endParaRPr lang="en-US" dirty="0"/>
           </a:p>
@@ -4839,7 +4956,7 @@
       </p:sp>
       <p:pic>
         <p:nvPicPr>
-          <p:cNvPr id="13314" name="Picture 2"/>
+          <p:cNvPr id="12290" name="Picture 2"/>
           <p:cNvPicPr>
             <a:picLocks noGrp="1" noChangeAspect="1" noChangeArrowheads="1"/>
           </p:cNvPicPr>
@@ -4856,8 +4973,8 @@
         </p:blipFill>
         <p:spPr bwMode="auto">
           <a:xfrm>
-            <a:off x="1005840" y="1721122"/>
-            <a:ext cx="10424159" cy="4351338"/>
+            <a:off x="2800934" y="1825625"/>
+            <a:ext cx="6590131" cy="4351338"/>
           </a:xfrm>
           <a:prstGeom prst="rect">
             <a:avLst/>
@@ -5135,7 +5252,7 @@
   <a:extraClrSchemeLst/>
   <a:extLst>
     <a:ext uri="{05A4C25C-085E-4340-85A3-A5531E510DB2}">
-      <thm15:themeFamily xmlns:thm15="http://schemas.microsoft.com/office/thememl/2012/main" xmlns="" name="Office Theme" id="{62F939B6-93AF-4DB8-9C6B-D6C7DFDC589F}" vid="{4A3C46E8-61CC-4603-A589-7422A47A8E4A}"/>
+      <thm15:themeFamily xmlns="" xmlns:thm15="http://schemas.microsoft.com/office/thememl/2012/main" name="Office Theme" id="{62F939B6-93AF-4DB8-9C6B-D6C7DFDC589F}" vid="{4A3C46E8-61CC-4603-A589-7422A47A8E4A}"/>
     </a:ext>
   </a:extLst>
 </a:theme>
